--- a/01Presentation/Modul1-Project-Mr.Mäxchen.pptx
+++ b/01Presentation/Modul1-Project-Mr.Mäxchen.pptx
@@ -262,7 +262,7 @@
           <a:p>
             <a:fld id="{5FBF16C9-7FDA-EC44-B1C0-F58A733469AD}" type="datetimeFigureOut">
               <a:rPr lang="de-DE" smtClean="0"/>
-              <a:t>17.10.20</a:t>
+              <a:t>22.10.20</a:t>
             </a:fld>
             <a:endParaRPr lang="de-DE"/>
           </a:p>
@@ -460,7 +460,7 @@
           <a:p>
             <a:fld id="{5FBF16C9-7FDA-EC44-B1C0-F58A733469AD}" type="datetimeFigureOut">
               <a:rPr lang="de-DE" smtClean="0"/>
-              <a:t>17.10.20</a:t>
+              <a:t>22.10.20</a:t>
             </a:fld>
             <a:endParaRPr lang="de-DE"/>
           </a:p>
@@ -668,7 +668,7 @@
           <a:p>
             <a:fld id="{5FBF16C9-7FDA-EC44-B1C0-F58A733469AD}" type="datetimeFigureOut">
               <a:rPr lang="de-DE" smtClean="0"/>
-              <a:t>17.10.20</a:t>
+              <a:t>22.10.20</a:t>
             </a:fld>
             <a:endParaRPr lang="de-DE"/>
           </a:p>
@@ -866,7 +866,7 @@
           <a:p>
             <a:fld id="{5FBF16C9-7FDA-EC44-B1C0-F58A733469AD}" type="datetimeFigureOut">
               <a:rPr lang="de-DE" smtClean="0"/>
-              <a:t>17.10.20</a:t>
+              <a:t>22.10.20</a:t>
             </a:fld>
             <a:endParaRPr lang="de-DE"/>
           </a:p>
@@ -1141,7 +1141,7 @@
           <a:p>
             <a:fld id="{5FBF16C9-7FDA-EC44-B1C0-F58A733469AD}" type="datetimeFigureOut">
               <a:rPr lang="de-DE" smtClean="0"/>
-              <a:t>17.10.20</a:t>
+              <a:t>22.10.20</a:t>
             </a:fld>
             <a:endParaRPr lang="de-DE"/>
           </a:p>
@@ -1406,7 +1406,7 @@
           <a:p>
             <a:fld id="{5FBF16C9-7FDA-EC44-B1C0-F58A733469AD}" type="datetimeFigureOut">
               <a:rPr lang="de-DE" smtClean="0"/>
-              <a:t>17.10.20</a:t>
+              <a:t>22.10.20</a:t>
             </a:fld>
             <a:endParaRPr lang="de-DE"/>
           </a:p>
@@ -1818,7 +1818,7 @@
           <a:p>
             <a:fld id="{5FBF16C9-7FDA-EC44-B1C0-F58A733469AD}" type="datetimeFigureOut">
               <a:rPr lang="de-DE" smtClean="0"/>
-              <a:t>17.10.20</a:t>
+              <a:t>22.10.20</a:t>
             </a:fld>
             <a:endParaRPr lang="de-DE"/>
           </a:p>
@@ -1959,7 +1959,7 @@
           <a:p>
             <a:fld id="{5FBF16C9-7FDA-EC44-B1C0-F58A733469AD}" type="datetimeFigureOut">
               <a:rPr lang="de-DE" smtClean="0"/>
-              <a:t>17.10.20</a:t>
+              <a:t>22.10.20</a:t>
             </a:fld>
             <a:endParaRPr lang="de-DE"/>
           </a:p>
@@ -2072,7 +2072,7 @@
           <a:p>
             <a:fld id="{5FBF16C9-7FDA-EC44-B1C0-F58A733469AD}" type="datetimeFigureOut">
               <a:rPr lang="de-DE" smtClean="0"/>
-              <a:t>17.10.20</a:t>
+              <a:t>22.10.20</a:t>
             </a:fld>
             <a:endParaRPr lang="de-DE"/>
           </a:p>
@@ -2383,7 +2383,7 @@
           <a:p>
             <a:fld id="{5FBF16C9-7FDA-EC44-B1C0-F58A733469AD}" type="datetimeFigureOut">
               <a:rPr lang="de-DE" smtClean="0"/>
-              <a:t>17.10.20</a:t>
+              <a:t>22.10.20</a:t>
             </a:fld>
             <a:endParaRPr lang="de-DE"/>
           </a:p>
@@ -2671,7 +2671,7 @@
           <a:p>
             <a:fld id="{5FBF16C9-7FDA-EC44-B1C0-F58A733469AD}" type="datetimeFigureOut">
               <a:rPr lang="de-DE" smtClean="0"/>
-              <a:t>17.10.20</a:t>
+              <a:t>22.10.20</a:t>
             </a:fld>
             <a:endParaRPr lang="de-DE"/>
           </a:p>
@@ -2912,7 +2912,7 @@
           <a:p>
             <a:fld id="{5FBF16C9-7FDA-EC44-B1C0-F58A733469AD}" type="datetimeFigureOut">
               <a:rPr lang="de-DE" smtClean="0"/>
-              <a:t>17.10.20</a:t>
+              <a:t>22.10.20</a:t>
             </a:fld>
             <a:endParaRPr lang="de-DE"/>
           </a:p>
@@ -3633,7 +3633,7 @@
           <a:lstStyle/>
           <a:p>
             <a:r>
-              <a:rPr lang="en-GB" sz="1600"/>
+              <a:rPr lang="en-GB" sz="1600" dirty="0"/>
               <a:t>31 &lt; 32 &lt; 41 &lt; 42 &lt; 43 &lt; 51 &lt; 52 &lt; 53 &lt; 54 &lt; 61 &lt; 62 &lt; 63 &lt; 64 &lt; 65 &lt; 11 &lt; 22 &lt; 33 &lt; 44 &lt; 55 &lt; 66 &lt; 21</a:t>
             </a:r>
           </a:p>
@@ -4359,7 +4359,7 @@
         </p:nvCxnSpPr>
         <p:spPr>
           <a:xfrm>
-            <a:off x="3666120" y="4070970"/>
+            <a:off x="3666120" y="4093830"/>
             <a:ext cx="516870" cy="0"/>
           </a:xfrm>
           <a:prstGeom prst="straightConnector1">
@@ -4916,7 +4916,7 @@
         </p:nvCxnSpPr>
         <p:spPr>
           <a:xfrm flipH="1">
-            <a:off x="3263071" y="4070970"/>
+            <a:off x="3263071" y="4093830"/>
             <a:ext cx="403049" cy="0"/>
           </a:xfrm>
           <a:prstGeom prst="line">
@@ -5587,7 +5587,7 @@
         </p:nvCxnSpPr>
         <p:spPr>
           <a:xfrm>
-            <a:off x="8030071" y="4072523"/>
+            <a:off x="8030071" y="4095383"/>
             <a:ext cx="516870" cy="0"/>
           </a:xfrm>
           <a:prstGeom prst="straightConnector1">
@@ -6015,7 +6015,7 @@
         </p:nvCxnSpPr>
         <p:spPr>
           <a:xfrm flipH="1">
-            <a:off x="7627022" y="4072523"/>
+            <a:off x="7627022" y="4095383"/>
             <a:ext cx="403049" cy="0"/>
           </a:xfrm>
           <a:prstGeom prst="line">

--- a/01Presentation/Modul1-Project-Mr.Mäxchen.pptx
+++ b/01Presentation/Modul1-Project-Mr.Mäxchen.pptx
@@ -7,8 +7,9 @@
   <p:sldIdLst>
     <p:sldId id="256" r:id="rId2"/>
     <p:sldId id="257" r:id="rId3"/>
-    <p:sldId id="258" r:id="rId4"/>
-    <p:sldId id="259" r:id="rId5"/>
+    <p:sldId id="261" r:id="rId4"/>
+    <p:sldId id="258" r:id="rId5"/>
+    <p:sldId id="259" r:id="rId6"/>
   </p:sldIdLst>
   <p:sldSz cx="12192000" cy="6858000"/>
   <p:notesSz cx="6858000" cy="9144000"/>
@@ -262,7 +263,7 @@
           <a:p>
             <a:fld id="{5FBF16C9-7FDA-EC44-B1C0-F58A733469AD}" type="datetimeFigureOut">
               <a:rPr lang="de-DE" smtClean="0"/>
-              <a:t>22.10.20</a:t>
+              <a:t>27.10.20</a:t>
             </a:fld>
             <a:endParaRPr lang="de-DE"/>
           </a:p>
@@ -460,7 +461,7 @@
           <a:p>
             <a:fld id="{5FBF16C9-7FDA-EC44-B1C0-F58A733469AD}" type="datetimeFigureOut">
               <a:rPr lang="de-DE" smtClean="0"/>
-              <a:t>22.10.20</a:t>
+              <a:t>27.10.20</a:t>
             </a:fld>
             <a:endParaRPr lang="de-DE"/>
           </a:p>
@@ -668,7 +669,7 @@
           <a:p>
             <a:fld id="{5FBF16C9-7FDA-EC44-B1C0-F58A733469AD}" type="datetimeFigureOut">
               <a:rPr lang="de-DE" smtClean="0"/>
-              <a:t>22.10.20</a:t>
+              <a:t>27.10.20</a:t>
             </a:fld>
             <a:endParaRPr lang="de-DE"/>
           </a:p>
@@ -866,7 +867,7 @@
           <a:p>
             <a:fld id="{5FBF16C9-7FDA-EC44-B1C0-F58A733469AD}" type="datetimeFigureOut">
               <a:rPr lang="de-DE" smtClean="0"/>
-              <a:t>22.10.20</a:t>
+              <a:t>27.10.20</a:t>
             </a:fld>
             <a:endParaRPr lang="de-DE"/>
           </a:p>
@@ -1141,7 +1142,7 @@
           <a:p>
             <a:fld id="{5FBF16C9-7FDA-EC44-B1C0-F58A733469AD}" type="datetimeFigureOut">
               <a:rPr lang="de-DE" smtClean="0"/>
-              <a:t>22.10.20</a:t>
+              <a:t>27.10.20</a:t>
             </a:fld>
             <a:endParaRPr lang="de-DE"/>
           </a:p>
@@ -1406,7 +1407,7 @@
           <a:p>
             <a:fld id="{5FBF16C9-7FDA-EC44-B1C0-F58A733469AD}" type="datetimeFigureOut">
               <a:rPr lang="de-DE" smtClean="0"/>
-              <a:t>22.10.20</a:t>
+              <a:t>27.10.20</a:t>
             </a:fld>
             <a:endParaRPr lang="de-DE"/>
           </a:p>
@@ -1818,7 +1819,7 @@
           <a:p>
             <a:fld id="{5FBF16C9-7FDA-EC44-B1C0-F58A733469AD}" type="datetimeFigureOut">
               <a:rPr lang="de-DE" smtClean="0"/>
-              <a:t>22.10.20</a:t>
+              <a:t>27.10.20</a:t>
             </a:fld>
             <a:endParaRPr lang="de-DE"/>
           </a:p>
@@ -1959,7 +1960,7 @@
           <a:p>
             <a:fld id="{5FBF16C9-7FDA-EC44-B1C0-F58A733469AD}" type="datetimeFigureOut">
               <a:rPr lang="de-DE" smtClean="0"/>
-              <a:t>22.10.20</a:t>
+              <a:t>27.10.20</a:t>
             </a:fld>
             <a:endParaRPr lang="de-DE"/>
           </a:p>
@@ -2072,7 +2073,7 @@
           <a:p>
             <a:fld id="{5FBF16C9-7FDA-EC44-B1C0-F58A733469AD}" type="datetimeFigureOut">
               <a:rPr lang="de-DE" smtClean="0"/>
-              <a:t>22.10.20</a:t>
+              <a:t>27.10.20</a:t>
             </a:fld>
             <a:endParaRPr lang="de-DE"/>
           </a:p>
@@ -2383,7 +2384,7 @@
           <a:p>
             <a:fld id="{5FBF16C9-7FDA-EC44-B1C0-F58A733469AD}" type="datetimeFigureOut">
               <a:rPr lang="de-DE" smtClean="0"/>
-              <a:t>22.10.20</a:t>
+              <a:t>27.10.20</a:t>
             </a:fld>
             <a:endParaRPr lang="de-DE"/>
           </a:p>
@@ -2671,7 +2672,7 @@
           <a:p>
             <a:fld id="{5FBF16C9-7FDA-EC44-B1C0-F58A733469AD}" type="datetimeFigureOut">
               <a:rPr lang="de-DE" smtClean="0"/>
-              <a:t>22.10.20</a:t>
+              <a:t>27.10.20</a:t>
             </a:fld>
             <a:endParaRPr lang="de-DE"/>
           </a:p>
@@ -2912,7 +2913,7 @@
           <a:p>
             <a:fld id="{5FBF16C9-7FDA-EC44-B1C0-F58A733469AD}" type="datetimeFigureOut">
               <a:rPr lang="de-DE" smtClean="0"/>
-              <a:t>22.10.20</a:t>
+              <a:t>27.10.20</a:t>
             </a:fld>
             <a:endParaRPr lang="de-DE"/>
           </a:p>
@@ -3344,7 +3345,7 @@
         <p:spPr>
           <a:xfrm>
             <a:off x="5672478" y="2913456"/>
-            <a:ext cx="7240043" cy="1261884"/>
+            <a:ext cx="7240043" cy="2062103"/>
           </a:xfrm>
           <a:prstGeom prst="rect">
             <a:avLst/>
@@ -3374,6 +3375,29 @@
             <a:r>
               <a:rPr lang="de-DE" dirty="0"/>
               <a:t>GAME „MAIERN“ // LYING // 21</a:t>
+            </a:r>
+          </a:p>
+          <a:p>
+            <a:endParaRPr lang="de-DE" dirty="0"/>
+          </a:p>
+          <a:p>
+            <a:r>
+              <a:rPr lang="de-DE" dirty="0"/>
+              <a:t>Thomas Schweers</a:t>
+            </a:r>
+          </a:p>
+          <a:p>
+            <a:r>
+              <a:rPr lang="de-DE" sz="1400" dirty="0"/>
+              <a:t>[German, 29 </a:t>
+            </a:r>
+            <a:r>
+              <a:rPr lang="de-DE" sz="1400" dirty="0" err="1"/>
+              <a:t>years</a:t>
+            </a:r>
+            <a:r>
+              <a:rPr lang="de-DE" sz="1400" dirty="0"/>
+              <a:t>]</a:t>
             </a:r>
           </a:p>
         </p:txBody>
@@ -3474,8 +3498,16 @@
           <a:p>
             <a:pPr algn="ctr"/>
             <a:r>
-              <a:rPr lang="en-GB" sz="2800"/>
-              <a:t>GAME „Mr. Mäxchen“</a:t>
+              <a:rPr lang="en-GB" sz="2800" dirty="0"/>
+              <a:t>GAME „Mr. </a:t>
+            </a:r>
+            <a:r>
+              <a:rPr lang="en-GB" sz="2800" dirty="0" err="1"/>
+              <a:t>Mäxchen</a:t>
+            </a:r>
+            <a:r>
+              <a:rPr lang="en-GB" sz="2800" dirty="0"/>
+              <a:t>“</a:t>
             </a:r>
           </a:p>
         </p:txBody>
@@ -3494,7 +3526,7 @@
         </p:nvSpPr>
         <p:spPr>
           <a:xfrm>
-            <a:off x="3168596" y="1610146"/>
+            <a:off x="3041987" y="2102117"/>
             <a:ext cx="7164525" cy="1711366"/>
           </a:xfrm>
           <a:prstGeom prst="rect">
@@ -3516,8 +3548,16 @@
               <a:buChar char="•"/>
             </a:pPr>
             <a:r>
-              <a:rPr lang="en-GB"/>
-              <a:t>Min 3 Player around a table – no maxium of people</a:t>
+              <a:rPr lang="en-GB" dirty="0"/>
+              <a:t>Min 3 Player around a table – no </a:t>
+            </a:r>
+            <a:r>
+              <a:rPr lang="en-GB" dirty="0" err="1"/>
+              <a:t>maxium</a:t>
+            </a:r>
+            <a:r>
+              <a:rPr lang="en-GB" dirty="0"/>
+              <a:t> of people</a:t>
             </a:r>
           </a:p>
           <a:p>
@@ -3529,15 +3569,15 @@
               <a:buChar char="•"/>
             </a:pPr>
             <a:r>
-              <a:rPr lang="en-GB"/>
+              <a:rPr lang="en-GB" dirty="0"/>
               <a:t>Play with </a:t>
             </a:r>
             <a:r>
-              <a:rPr lang="en-GB" u="sng"/>
+              <a:rPr lang="en-GB" u="sng" dirty="0"/>
               <a:t>one</a:t>
             </a:r>
             <a:r>
-              <a:rPr lang="en-GB"/>
+              <a:rPr lang="en-GB" dirty="0"/>
               <a:t> device, the device will be handed over to the next person</a:t>
             </a:r>
           </a:p>
@@ -3550,7 +3590,7 @@
               <a:buChar char="•"/>
             </a:pPr>
             <a:r>
-              <a:rPr lang="en-GB"/>
+              <a:rPr lang="en-GB" dirty="0"/>
               <a:t>play clockwise</a:t>
             </a:r>
           </a:p>
@@ -3563,7 +3603,7 @@
               <a:buChar char="•"/>
             </a:pPr>
             <a:r>
-              <a:rPr lang="en-GB"/>
+              <a:rPr lang="en-GB" dirty="0"/>
               <a:t>In each step you have to choice between saying the truth or to lie</a:t>
             </a:r>
           </a:p>
@@ -3583,8 +3623,8 @@
         </p:nvSpPr>
         <p:spPr>
           <a:xfrm>
-            <a:off x="691769" y="3884811"/>
-            <a:ext cx="1860702" cy="369332"/>
+            <a:off x="505186" y="3884811"/>
+            <a:ext cx="2164567" cy="369332"/>
           </a:xfrm>
           <a:prstGeom prst="rect">
             <a:avLst/>
@@ -3598,8 +3638,8 @@
           <a:lstStyle/>
           <a:p>
             <a:r>
-              <a:rPr lang="en-GB"/>
-              <a:t>Order of numbers</a:t>
+              <a:rPr lang="en-GB" dirty="0"/>
+              <a:t>ORDER OF NUMBERS</a:t>
             </a:r>
           </a:p>
         </p:txBody>
@@ -3618,7 +3658,7 @@
         </p:nvSpPr>
         <p:spPr>
           <a:xfrm>
-            <a:off x="2844301" y="3900200"/>
+            <a:off x="3074526" y="3884811"/>
             <a:ext cx="8425705" cy="338554"/>
           </a:xfrm>
           <a:prstGeom prst="rect">
@@ -3653,8 +3693,8 @@
         </p:nvSpPr>
         <p:spPr>
           <a:xfrm>
-            <a:off x="691769" y="4402169"/>
-            <a:ext cx="1932004" cy="369332"/>
+            <a:off x="520286" y="4303693"/>
+            <a:ext cx="2134367" cy="369332"/>
           </a:xfrm>
           <a:prstGeom prst="rect">
             <a:avLst/>
@@ -3668,8 +3708,8 @@
           <a:lstStyle/>
           <a:p>
             <a:r>
-              <a:rPr lang="en-GB"/>
-              <a:t>Spezial „Mäxchen“</a:t>
+              <a:rPr lang="en-GB" dirty="0"/>
+              <a:t>SPEZIAL „MÄXCHEN“</a:t>
             </a:r>
           </a:p>
         </p:txBody>
@@ -3688,7 +3728,7 @@
         </p:nvSpPr>
         <p:spPr>
           <a:xfrm>
-            <a:off x="2844301" y="4417558"/>
+            <a:off x="3074526" y="4303693"/>
             <a:ext cx="8212720" cy="338554"/>
           </a:xfrm>
           <a:prstGeom prst="rect">
@@ -3703,314 +3743,680 @@
           <a:lstStyle/>
           <a:p>
             <a:r>
-              <a:rPr lang="en-GB" sz="1600"/>
-              <a:t>21 -&gt; Game is over everybody has to take a drink, espect of the one how get the “Mäxchen“</a:t>
-            </a:r>
-          </a:p>
-        </p:txBody>
-      </p:sp>
-      <p:pic>
-        <p:nvPicPr>
-          <p:cNvPr id="5" name="Grafik 4" descr="Benutzer">
-            <a:extLst>
-              <a:ext uri="{FF2B5EF4-FFF2-40B4-BE49-F238E27FC236}">
-                <a16:creationId xmlns:a16="http://schemas.microsoft.com/office/drawing/2014/main" id="{F207E6E9-5793-FC41-85EB-0433DAAE3579}"/>
-              </a:ext>
-            </a:extLst>
-          </p:cNvPr>
-          <p:cNvPicPr>
-            <a:picLocks noChangeAspect="1"/>
-          </p:cNvPicPr>
+              <a:rPr lang="en-GB" sz="1600" dirty="0"/>
+              <a:t>21 -&gt; Game is over everybody has to take a drink, </a:t>
+            </a:r>
+            <a:r>
+              <a:rPr lang="en-GB" sz="1600" dirty="0" err="1"/>
+              <a:t>espect</a:t>
+            </a:r>
+            <a:r>
+              <a:rPr lang="en-GB" sz="1600" dirty="0"/>
+              <a:t> of the one how get the “</a:t>
+            </a:r>
+            <a:r>
+              <a:rPr lang="en-GB" sz="1600" dirty="0" err="1"/>
+              <a:t>Mäxchen</a:t>
+            </a:r>
+            <a:r>
+              <a:rPr lang="en-GB" sz="1600" dirty="0"/>
+              <a:t>“</a:t>
+            </a:r>
+          </a:p>
+        </p:txBody>
+      </p:sp>
+      <p:grpSp>
+        <p:nvGrpSpPr>
+          <p:cNvPr id="3" name="Gruppieren 2">
+            <a:extLst>
+              <a:ext uri="{FF2B5EF4-FFF2-40B4-BE49-F238E27FC236}">
+                <a16:creationId xmlns:a16="http://schemas.microsoft.com/office/drawing/2014/main" id="{DE8917E0-FF41-304B-BB43-8E5325976D48}"/>
+              </a:ext>
+            </a:extLst>
+          </p:cNvPr>
+          <p:cNvGrpSpPr/>
           <p:nvPr/>
-        </p:nvPicPr>
-        <p:blipFill>
-          <a:blip r:embed="rId2">
-            <a:extLst>
-              <a:ext uri="{96DAC541-7B7A-43D3-8B79-37D633B846F1}">
-                <asvg:svgBlip xmlns:asvg="http://schemas.microsoft.com/office/drawing/2016/SVG/main" r:embed="rId3"/>
-              </a:ext>
-            </a:extLst>
-          </a:blip>
-          <a:stretch>
-            <a:fillRect/>
-          </a:stretch>
-        </p:blipFill>
-        <p:spPr>
-          <a:xfrm>
-            <a:off x="716892" y="2451816"/>
-            <a:ext cx="687002" cy="687002"/>
+        </p:nvGrpSpPr>
+        <p:grpSpPr>
+          <a:xfrm>
+            <a:off x="716311" y="2138321"/>
+            <a:ext cx="1736181" cy="1528886"/>
+            <a:chOff x="590283" y="1780837"/>
+            <a:chExt cx="2100779" cy="1849952"/>
+          </a:xfrm>
+        </p:grpSpPr>
+        <p:pic>
+          <p:nvPicPr>
+            <p:cNvPr id="5" name="Grafik 4" descr="Benutzer">
+              <a:extLst>
+                <a:ext uri="{FF2B5EF4-FFF2-40B4-BE49-F238E27FC236}">
+                  <a16:creationId xmlns:a16="http://schemas.microsoft.com/office/drawing/2014/main" id="{F207E6E9-5793-FC41-85EB-0433DAAE3579}"/>
+                </a:ext>
+              </a:extLst>
+            </p:cNvPr>
+            <p:cNvPicPr>
+              <a:picLocks noChangeAspect="1"/>
+            </p:cNvPicPr>
+            <p:nvPr/>
+          </p:nvPicPr>
+          <p:blipFill>
+            <a:blip r:embed="rId2">
+              <a:extLst>
+                <a:ext uri="{96DAC541-7B7A-43D3-8B79-37D633B846F1}">
+                  <asvg:svgBlip xmlns:asvg="http://schemas.microsoft.com/office/drawing/2016/SVG/main" r:embed="rId3"/>
+                </a:ext>
+              </a:extLst>
+            </a:blip>
+            <a:stretch>
+              <a:fillRect/>
+            </a:stretch>
+          </p:blipFill>
+          <p:spPr>
+            <a:xfrm>
+              <a:off x="590283" y="2943787"/>
+              <a:ext cx="687002" cy="687002"/>
+            </a:xfrm>
+            <a:prstGeom prst="rect">
+              <a:avLst/>
+            </a:prstGeom>
+          </p:spPr>
+        </p:pic>
+        <p:pic>
+          <p:nvPicPr>
+            <p:cNvPr id="74" name="Grafik 73" descr="Benutzer">
+              <a:extLst>
+                <a:ext uri="{FF2B5EF4-FFF2-40B4-BE49-F238E27FC236}">
+                  <a16:creationId xmlns:a16="http://schemas.microsoft.com/office/drawing/2014/main" id="{B162AA89-E718-6841-A797-A7EC4B74F43D}"/>
+                </a:ext>
+              </a:extLst>
+            </p:cNvPr>
+            <p:cNvPicPr>
+              <a:picLocks noChangeAspect="1"/>
+            </p:cNvPicPr>
+            <p:nvPr/>
+          </p:nvPicPr>
+          <p:blipFill>
+            <a:blip r:embed="rId2">
+              <a:extLst>
+                <a:ext uri="{96DAC541-7B7A-43D3-8B79-37D633B846F1}">
+                  <asvg:svgBlip xmlns:asvg="http://schemas.microsoft.com/office/drawing/2016/SVG/main" r:embed="rId3"/>
+                </a:ext>
+              </a:extLst>
+            </a:blip>
+            <a:stretch>
+              <a:fillRect/>
+            </a:stretch>
+          </p:blipFill>
+          <p:spPr>
+            <a:xfrm>
+              <a:off x="1890848" y="2906927"/>
+              <a:ext cx="687002" cy="687002"/>
+            </a:xfrm>
+            <a:prstGeom prst="rect">
+              <a:avLst/>
+            </a:prstGeom>
+          </p:spPr>
+        </p:pic>
+        <p:pic>
+          <p:nvPicPr>
+            <p:cNvPr id="75" name="Grafik 74" descr="Benutzer">
+              <a:extLst>
+                <a:ext uri="{FF2B5EF4-FFF2-40B4-BE49-F238E27FC236}">
+                  <a16:creationId xmlns:a16="http://schemas.microsoft.com/office/drawing/2014/main" id="{B576E684-1B7C-4C43-BC2F-AE81EC97B5D6}"/>
+                </a:ext>
+              </a:extLst>
+            </p:cNvPr>
+            <p:cNvPicPr>
+              <a:picLocks noChangeAspect="1"/>
+            </p:cNvPicPr>
+            <p:nvPr/>
+          </p:nvPicPr>
+          <p:blipFill>
+            <a:blip r:embed="rId2">
+              <a:extLst>
+                <a:ext uri="{96DAC541-7B7A-43D3-8B79-37D633B846F1}">
+                  <asvg:svgBlip xmlns:asvg="http://schemas.microsoft.com/office/drawing/2016/SVG/main" r:embed="rId3"/>
+                </a:ext>
+              </a:extLst>
+            </a:blip>
+            <a:stretch>
+              <a:fillRect/>
+            </a:stretch>
+          </p:blipFill>
+          <p:spPr>
+            <a:xfrm>
+              <a:off x="1300884" y="1780837"/>
+              <a:ext cx="687002" cy="687002"/>
+            </a:xfrm>
+            <a:prstGeom prst="rect">
+              <a:avLst/>
+            </a:prstGeom>
+          </p:spPr>
+        </p:pic>
+        <p:sp>
+          <p:nvSpPr>
+            <p:cNvPr id="2" name="Oval 1">
+              <a:extLst>
+                <a:ext uri="{FF2B5EF4-FFF2-40B4-BE49-F238E27FC236}">
+                  <a16:creationId xmlns:a16="http://schemas.microsoft.com/office/drawing/2014/main" id="{A2576F42-64B3-1C41-A9B2-92712D200B66}"/>
+                </a:ext>
+              </a:extLst>
+            </p:cNvPr>
+            <p:cNvSpPr/>
+            <p:nvPr/>
+          </p:nvSpPr>
+          <p:spPr>
+            <a:xfrm>
+              <a:off x="1300884" y="2579595"/>
+              <a:ext cx="687002" cy="687002"/>
+            </a:xfrm>
+            <a:prstGeom prst="ellipse">
+              <a:avLst/>
+            </a:prstGeom>
+            <a:noFill/>
+            <a:ln w="38100">
+              <a:solidFill>
+                <a:schemeClr val="tx1"/>
+              </a:solidFill>
+            </a:ln>
+          </p:spPr>
+          <p:style>
+            <a:lnRef idx="2">
+              <a:schemeClr val="accent1">
+                <a:shade val="50000"/>
+              </a:schemeClr>
+            </a:lnRef>
+            <a:fillRef idx="1">
+              <a:schemeClr val="accent1"/>
+            </a:fillRef>
+            <a:effectRef idx="0">
+              <a:schemeClr val="accent1"/>
+            </a:effectRef>
+            <a:fontRef idx="minor">
+              <a:schemeClr val="lt1"/>
+            </a:fontRef>
+          </p:style>
+          <p:txBody>
+            <a:bodyPr rtlCol="0" anchor="ctr"/>
+            <a:lstStyle/>
+            <a:p>
+              <a:pPr algn="ctr"/>
+              <a:endParaRPr lang="en-GB"/>
+            </a:p>
+          </p:txBody>
+        </p:sp>
+        <p:sp>
+          <p:nvSpPr>
+            <p:cNvPr id="17" name="Bogen 16">
+              <a:extLst>
+                <a:ext uri="{FF2B5EF4-FFF2-40B4-BE49-F238E27FC236}">
+                  <a16:creationId xmlns:a16="http://schemas.microsoft.com/office/drawing/2014/main" id="{5FADA5D8-FAD1-734E-A2AE-73E208369BF7}"/>
+                </a:ext>
+              </a:extLst>
+            </p:cNvPr>
+            <p:cNvSpPr/>
+            <p:nvPr/>
+          </p:nvSpPr>
+          <p:spPr>
+            <a:xfrm>
+              <a:off x="1791791" y="2282851"/>
+              <a:ext cx="712331" cy="712331"/>
+            </a:xfrm>
+            <a:prstGeom prst="arc">
+              <a:avLst>
+                <a:gd name="adj1" fmla="val 16200000"/>
+                <a:gd name="adj2" fmla="val 2500353"/>
+              </a:avLst>
+            </a:prstGeom>
+            <a:ln w="19050">
+              <a:solidFill>
+                <a:schemeClr val="tx1"/>
+              </a:solidFill>
+              <a:headEnd type="none" w="med" len="med"/>
+              <a:tailEnd type="arrow" w="med" len="med"/>
+            </a:ln>
+          </p:spPr>
+          <p:style>
+            <a:lnRef idx="1">
+              <a:schemeClr val="accent1"/>
+            </a:lnRef>
+            <a:fillRef idx="0">
+              <a:schemeClr val="accent1"/>
+            </a:fillRef>
+            <a:effectRef idx="0">
+              <a:schemeClr val="accent1"/>
+            </a:effectRef>
+            <a:fontRef idx="minor">
+              <a:schemeClr val="tx1"/>
+            </a:fontRef>
+          </p:style>
+          <p:txBody>
+            <a:bodyPr rtlCol="0" anchor="ctr"/>
+            <a:lstStyle/>
+            <a:p>
+              <a:pPr algn="ctr"/>
+              <a:endParaRPr lang="en-GB"/>
+            </a:p>
+          </p:txBody>
+        </p:sp>
+        <p:sp>
+          <p:nvSpPr>
+            <p:cNvPr id="22" name="Rechteck 21">
+              <a:extLst>
+                <a:ext uri="{FF2B5EF4-FFF2-40B4-BE49-F238E27FC236}">
+                  <a16:creationId xmlns:a16="http://schemas.microsoft.com/office/drawing/2014/main" id="{378E58CE-59EA-CC48-B9D9-6B92D13ECB7C}"/>
+                </a:ext>
+              </a:extLst>
+            </p:cNvPr>
+            <p:cNvSpPr/>
+            <p:nvPr/>
+          </p:nvSpPr>
+          <p:spPr>
+            <a:xfrm>
+              <a:off x="2347089" y="2299683"/>
+              <a:ext cx="268932" cy="339333"/>
+            </a:xfrm>
+            <a:prstGeom prst="rect">
+              <a:avLst/>
+            </a:prstGeom>
+            <a:solidFill>
+              <a:schemeClr val="bg1"/>
+            </a:solidFill>
+            <a:ln>
+              <a:noFill/>
+            </a:ln>
+          </p:spPr>
+          <p:style>
+            <a:lnRef idx="2">
+              <a:schemeClr val="accent1">
+                <a:shade val="50000"/>
+              </a:schemeClr>
+            </a:lnRef>
+            <a:fillRef idx="1">
+              <a:schemeClr val="accent1"/>
+            </a:fillRef>
+            <a:effectRef idx="0">
+              <a:schemeClr val="accent1"/>
+            </a:effectRef>
+            <a:fontRef idx="minor">
+              <a:schemeClr val="lt1"/>
+            </a:fontRef>
+          </p:style>
+          <p:txBody>
+            <a:bodyPr rtlCol="0" anchor="ctr"/>
+            <a:lstStyle/>
+            <a:p>
+              <a:pPr algn="ctr"/>
+              <a:endParaRPr lang="en-GB"/>
+            </a:p>
+          </p:txBody>
+        </p:sp>
+        <p:pic>
+          <p:nvPicPr>
+            <p:cNvPr id="14" name="Grafik 13" descr="Smartphone">
+              <a:extLst>
+                <a:ext uri="{FF2B5EF4-FFF2-40B4-BE49-F238E27FC236}">
+                  <a16:creationId xmlns:a16="http://schemas.microsoft.com/office/drawing/2014/main" id="{D104FA1A-3D03-CA44-A194-C99A1ED3EBBF}"/>
+                </a:ext>
+              </a:extLst>
+            </p:cNvPr>
+            <p:cNvPicPr>
+              <a:picLocks noChangeAspect="1"/>
+            </p:cNvPicPr>
+            <p:nvPr/>
+          </p:nvPicPr>
+          <p:blipFill>
+            <a:blip r:embed="rId4">
+              <a:extLst>
+                <a:ext uri="{96DAC541-7B7A-43D3-8B79-37D633B846F1}">
+                  <asvg:svgBlip xmlns:asvg="http://schemas.microsoft.com/office/drawing/2016/SVG/main" r:embed="rId5"/>
+                </a:ext>
+              </a:extLst>
+            </a:blip>
+            <a:stretch>
+              <a:fillRect/>
+            </a:stretch>
+          </p:blipFill>
+          <p:spPr>
+            <a:xfrm>
+              <a:off x="2303267" y="2213261"/>
+              <a:ext cx="387795" cy="387795"/>
+            </a:xfrm>
+            <a:prstGeom prst="rect">
+              <a:avLst/>
+            </a:prstGeom>
+          </p:spPr>
+        </p:pic>
+      </p:grpSp>
+      <p:sp>
+        <p:nvSpPr>
+          <p:cNvPr id="15" name="Textfeld 14">
+            <a:extLst>
+              <a:ext uri="{FF2B5EF4-FFF2-40B4-BE49-F238E27FC236}">
+                <a16:creationId xmlns:a16="http://schemas.microsoft.com/office/drawing/2014/main" id="{23CF65E4-0411-6F4D-98DE-612E03648C35}"/>
+              </a:ext>
+            </a:extLst>
+          </p:cNvPr>
+          <p:cNvSpPr txBox="1"/>
+          <p:nvPr/>
+        </p:nvSpPr>
+        <p:spPr>
+          <a:xfrm>
+            <a:off x="3041987" y="1078733"/>
+            <a:ext cx="8960851" cy="464871"/>
           </a:xfrm>
           <a:prstGeom prst="rect">
             <a:avLst/>
           </a:prstGeom>
-        </p:spPr>
-      </p:pic>
-      <p:pic>
-        <p:nvPicPr>
-          <p:cNvPr id="74" name="Grafik 73" descr="Benutzer">
-            <a:extLst>
-              <a:ext uri="{FF2B5EF4-FFF2-40B4-BE49-F238E27FC236}">
-                <a16:creationId xmlns:a16="http://schemas.microsoft.com/office/drawing/2014/main" id="{B162AA89-E718-6841-A797-A7EC4B74F43D}"/>
-              </a:ext>
-            </a:extLst>
-          </p:cNvPr>
-          <p:cNvPicPr>
-            <a:picLocks noChangeAspect="1"/>
-          </p:cNvPicPr>
+          <a:noFill/>
+        </p:spPr>
+        <p:txBody>
+          <a:bodyPr wrap="none" rtlCol="0">
+            <a:spAutoFit/>
+          </a:bodyPr>
+          <a:lstStyle/>
+          <a:p>
+            <a:pPr marL="285750" indent="-285750">
+              <a:lnSpc>
+                <a:spcPct val="150000"/>
+              </a:lnSpc>
+              <a:buFont typeface="Arial" panose="020B0604020202020204" pitchFamily="34" charset="0"/>
+              <a:buChar char="•"/>
+            </a:pPr>
+            <a:r>
+              <a:rPr lang="en-GB" dirty="0"/>
+              <a:t>Coding a </a:t>
+            </a:r>
+            <a:r>
+              <a:rPr lang="en-GB" dirty="0" err="1"/>
+              <a:t>german</a:t>
+            </a:r>
+            <a:r>
+              <a:rPr lang="en-GB" dirty="0"/>
+              <a:t> classic drinking game called known as</a:t>
+            </a:r>
+            <a:r>
+              <a:rPr lang="de-DE" dirty="0"/>
+              <a:t> „</a:t>
+            </a:r>
+            <a:r>
+              <a:rPr lang="de-DE" dirty="0" err="1"/>
+              <a:t>Maiern</a:t>
+            </a:r>
+            <a:r>
+              <a:rPr lang="de-DE" dirty="0"/>
+              <a:t>“ / „</a:t>
+            </a:r>
+            <a:r>
+              <a:rPr lang="de-DE" dirty="0" err="1"/>
+              <a:t>Mäxchen</a:t>
+            </a:r>
+            <a:r>
+              <a:rPr lang="de-DE" dirty="0"/>
+              <a:t>“ / LYING / 21</a:t>
+            </a:r>
+          </a:p>
+        </p:txBody>
+      </p:sp>
+      <p:sp>
+        <p:nvSpPr>
+          <p:cNvPr id="16" name="Textfeld 15">
+            <a:extLst>
+              <a:ext uri="{FF2B5EF4-FFF2-40B4-BE49-F238E27FC236}">
+                <a16:creationId xmlns:a16="http://schemas.microsoft.com/office/drawing/2014/main" id="{AA02077E-1E0F-CF42-BA91-A5C1AE38B87B}"/>
+              </a:ext>
+            </a:extLst>
+          </p:cNvPr>
+          <p:cNvSpPr txBox="1"/>
           <p:nvPr/>
-        </p:nvPicPr>
-        <p:blipFill>
-          <a:blip r:embed="rId2">
-            <a:extLst>
-              <a:ext uri="{96DAC541-7B7A-43D3-8B79-37D633B846F1}">
-                <asvg:svgBlip xmlns:asvg="http://schemas.microsoft.com/office/drawing/2016/SVG/main" r:embed="rId3"/>
-              </a:ext>
-            </a:extLst>
-          </a:blip>
-          <a:stretch>
-            <a:fillRect/>
-          </a:stretch>
-        </p:blipFill>
-        <p:spPr>
-          <a:xfrm>
-            <a:off x="2017457" y="2414956"/>
-            <a:ext cx="687002" cy="687002"/>
+        </p:nvSpPr>
+        <p:spPr>
+          <a:xfrm>
+            <a:off x="310227" y="1223594"/>
+            <a:ext cx="2554485" cy="369332"/>
           </a:xfrm>
           <a:prstGeom prst="rect">
             <a:avLst/>
           </a:prstGeom>
-        </p:spPr>
-      </p:pic>
-      <p:pic>
-        <p:nvPicPr>
-          <p:cNvPr id="75" name="Grafik 74" descr="Benutzer">
-            <a:extLst>
-              <a:ext uri="{FF2B5EF4-FFF2-40B4-BE49-F238E27FC236}">
-                <a16:creationId xmlns:a16="http://schemas.microsoft.com/office/drawing/2014/main" id="{B576E684-1B7C-4C43-BC2F-AE81EC97B5D6}"/>
-              </a:ext>
-            </a:extLst>
-          </p:cNvPr>
-          <p:cNvPicPr>
-            <a:picLocks noChangeAspect="1"/>
-          </p:cNvPicPr>
+          <a:noFill/>
+        </p:spPr>
+        <p:txBody>
+          <a:bodyPr wrap="square" rtlCol="0">
+            <a:spAutoFit/>
+          </a:bodyPr>
+          <a:lstStyle/>
+          <a:p>
+            <a:pPr algn="ctr"/>
+            <a:r>
+              <a:rPr lang="en-GB" dirty="0"/>
+              <a:t>PROJECT GAME</a:t>
+            </a:r>
+          </a:p>
+        </p:txBody>
+      </p:sp>
+      <p:sp>
+        <p:nvSpPr>
+          <p:cNvPr id="18" name="Textfeld 17">
+            <a:extLst>
+              <a:ext uri="{FF2B5EF4-FFF2-40B4-BE49-F238E27FC236}">
+                <a16:creationId xmlns:a16="http://schemas.microsoft.com/office/drawing/2014/main" id="{82F0C81B-DF81-B642-8DA7-20B4CDE2EF05}"/>
+              </a:ext>
+            </a:extLst>
+          </p:cNvPr>
+          <p:cNvSpPr txBox="1"/>
           <p:nvPr/>
-        </p:nvPicPr>
-        <p:blipFill>
-          <a:blip r:embed="rId2">
-            <a:extLst>
-              <a:ext uri="{96DAC541-7B7A-43D3-8B79-37D633B846F1}">
-                <asvg:svgBlip xmlns:asvg="http://schemas.microsoft.com/office/drawing/2016/SVG/main" r:embed="rId3"/>
-              </a:ext>
-            </a:extLst>
-          </a:blip>
-          <a:stretch>
-            <a:fillRect/>
-          </a:stretch>
-        </p:blipFill>
-        <p:spPr>
-          <a:xfrm>
-            <a:off x="1427493" y="1288866"/>
-            <a:ext cx="687002" cy="687002"/>
+        </p:nvSpPr>
+        <p:spPr>
+          <a:xfrm>
+            <a:off x="310226" y="5581500"/>
+            <a:ext cx="2554485" cy="369332"/>
           </a:xfrm>
           <a:prstGeom prst="rect">
             <a:avLst/>
           </a:prstGeom>
-        </p:spPr>
-      </p:pic>
-      <p:sp>
-        <p:nvSpPr>
-          <p:cNvPr id="2" name="Oval 1">
-            <a:extLst>
-              <a:ext uri="{FF2B5EF4-FFF2-40B4-BE49-F238E27FC236}">
-                <a16:creationId xmlns:a16="http://schemas.microsoft.com/office/drawing/2014/main" id="{A2576F42-64B3-1C41-A9B2-92712D200B66}"/>
-              </a:ext>
-            </a:extLst>
-          </p:cNvPr>
-          <p:cNvSpPr/>
+          <a:noFill/>
+        </p:spPr>
+        <p:txBody>
+          <a:bodyPr wrap="square" rtlCol="0">
+            <a:spAutoFit/>
+          </a:bodyPr>
+          <a:lstStyle/>
+          <a:p>
+            <a:pPr algn="ctr"/>
+            <a:r>
+              <a:rPr lang="en-GB" dirty="0"/>
+              <a:t>Reason for </a:t>
+            </a:r>
+            <a:r>
+              <a:rPr lang="en-GB" dirty="0" err="1"/>
+              <a:t>Mäxchen</a:t>
+            </a:r>
+            <a:endParaRPr lang="en-GB" dirty="0"/>
+          </a:p>
+        </p:txBody>
+      </p:sp>
+      <p:sp>
+        <p:nvSpPr>
+          <p:cNvPr id="19" name="Textfeld 18">
+            <a:extLst>
+              <a:ext uri="{FF2B5EF4-FFF2-40B4-BE49-F238E27FC236}">
+                <a16:creationId xmlns:a16="http://schemas.microsoft.com/office/drawing/2014/main" id="{59983E80-447E-9A42-A0F7-BCB4D93530B0}"/>
+              </a:ext>
+            </a:extLst>
+          </p:cNvPr>
+          <p:cNvSpPr txBox="1"/>
           <p:nvPr/>
         </p:nvSpPr>
         <p:spPr>
           <a:xfrm>
-            <a:off x="1427493" y="2087624"/>
-            <a:ext cx="687002" cy="687002"/>
-          </a:xfrm>
-          <a:prstGeom prst="ellipse">
+            <a:off x="3041986" y="5485961"/>
+            <a:ext cx="7565054" cy="880369"/>
+          </a:xfrm>
+          <a:prstGeom prst="rect">
             <a:avLst/>
           </a:prstGeom>
           <a:noFill/>
-          <a:ln w="38100">
-            <a:solidFill>
-              <a:schemeClr val="tx1"/>
-            </a:solidFill>
-          </a:ln>
-        </p:spPr>
-        <p:style>
-          <a:lnRef idx="2">
-            <a:schemeClr val="accent1">
-              <a:shade val="50000"/>
-            </a:schemeClr>
-          </a:lnRef>
-          <a:fillRef idx="1">
-            <a:schemeClr val="accent1"/>
-          </a:fillRef>
-          <a:effectRef idx="0">
-            <a:schemeClr val="accent1"/>
-          </a:effectRef>
-          <a:fontRef idx="minor">
-            <a:schemeClr val="lt1"/>
-          </a:fontRef>
-        </p:style>
-        <p:txBody>
-          <a:bodyPr rtlCol="0" anchor="ctr"/>
-          <a:lstStyle/>
-          <a:p>
-            <a:pPr algn="ctr"/>
-            <a:endParaRPr lang="en-GB"/>
-          </a:p>
-        </p:txBody>
-      </p:sp>
-      <p:sp>
-        <p:nvSpPr>
-          <p:cNvPr id="17" name="Bogen 16">
-            <a:extLst>
-              <a:ext uri="{FF2B5EF4-FFF2-40B4-BE49-F238E27FC236}">
-                <a16:creationId xmlns:a16="http://schemas.microsoft.com/office/drawing/2014/main" id="{5FADA5D8-FAD1-734E-A2AE-73E208369BF7}"/>
-              </a:ext>
-            </a:extLst>
-          </p:cNvPr>
-          <p:cNvSpPr/>
-          <p:nvPr/>
-        </p:nvSpPr>
-        <p:spPr>
-          <a:xfrm>
-            <a:off x="1918400" y="1790880"/>
-            <a:ext cx="712331" cy="712331"/>
-          </a:xfrm>
-          <a:prstGeom prst="arc">
-            <a:avLst>
-              <a:gd name="adj1" fmla="val 16200000"/>
-              <a:gd name="adj2" fmla="val 2500353"/>
-            </a:avLst>
-          </a:prstGeom>
-          <a:ln w="19050">
-            <a:solidFill>
-              <a:schemeClr val="tx1"/>
-            </a:solidFill>
-            <a:headEnd type="none" w="med" len="med"/>
-            <a:tailEnd type="arrow" w="med" len="med"/>
-          </a:ln>
-        </p:spPr>
-        <p:style>
-          <a:lnRef idx="1">
-            <a:schemeClr val="accent1"/>
-          </a:lnRef>
-          <a:fillRef idx="0">
-            <a:schemeClr val="accent1"/>
-          </a:fillRef>
-          <a:effectRef idx="0">
-            <a:schemeClr val="accent1"/>
-          </a:effectRef>
-          <a:fontRef idx="minor">
-            <a:schemeClr val="tx1"/>
-          </a:fontRef>
-        </p:style>
-        <p:txBody>
-          <a:bodyPr rtlCol="0" anchor="ctr"/>
-          <a:lstStyle/>
-          <a:p>
-            <a:pPr algn="ctr"/>
-            <a:endParaRPr lang="en-GB"/>
-          </a:p>
-        </p:txBody>
-      </p:sp>
-      <p:sp>
-        <p:nvSpPr>
-          <p:cNvPr id="22" name="Rechteck 21">
-            <a:extLst>
-              <a:ext uri="{FF2B5EF4-FFF2-40B4-BE49-F238E27FC236}">
-                <a16:creationId xmlns:a16="http://schemas.microsoft.com/office/drawing/2014/main" id="{378E58CE-59EA-CC48-B9D9-6B92D13ECB7C}"/>
-              </a:ext>
-            </a:extLst>
-          </p:cNvPr>
-          <p:cNvSpPr/>
-          <p:nvPr/>
-        </p:nvSpPr>
-        <p:spPr>
-          <a:xfrm>
-            <a:off x="2473698" y="1807712"/>
-            <a:ext cx="268932" cy="339333"/>
-          </a:xfrm>
-          <a:prstGeom prst="rect">
-            <a:avLst/>
-          </a:prstGeom>
-          <a:solidFill>
-            <a:schemeClr val="bg1"/>
-          </a:solidFill>
-          <a:ln>
-            <a:noFill/>
-          </a:ln>
-        </p:spPr>
-        <p:style>
-          <a:lnRef idx="2">
-            <a:schemeClr val="accent1">
-              <a:shade val="50000"/>
-            </a:schemeClr>
-          </a:lnRef>
-          <a:fillRef idx="1">
-            <a:schemeClr val="accent1"/>
-          </a:fillRef>
-          <a:effectRef idx="0">
-            <a:schemeClr val="accent1"/>
-          </a:effectRef>
-          <a:fontRef idx="minor">
-            <a:schemeClr val="lt1"/>
-          </a:fontRef>
-        </p:style>
-        <p:txBody>
-          <a:bodyPr rtlCol="0" anchor="ctr"/>
-          <a:lstStyle/>
-          <a:p>
-            <a:pPr algn="ctr"/>
-            <a:endParaRPr lang="en-GB"/>
-          </a:p>
-        </p:txBody>
-      </p:sp>
-      <p:pic>
-        <p:nvPicPr>
-          <p:cNvPr id="14" name="Grafik 13" descr="Smartphone">
-            <a:extLst>
-              <a:ext uri="{FF2B5EF4-FFF2-40B4-BE49-F238E27FC236}">
-                <a16:creationId xmlns:a16="http://schemas.microsoft.com/office/drawing/2014/main" id="{D104FA1A-3D03-CA44-A194-C99A1ED3EBBF}"/>
-              </a:ext>
-            </a:extLst>
-          </p:cNvPr>
-          <p:cNvPicPr>
-            <a:picLocks noChangeAspect="1"/>
-          </p:cNvPicPr>
-          <p:nvPr/>
-        </p:nvPicPr>
-        <p:blipFill>
-          <a:blip r:embed="rId4">
-            <a:extLst>
-              <a:ext uri="{96DAC541-7B7A-43D3-8B79-37D633B846F1}">
-                <asvg:svgBlip xmlns:asvg="http://schemas.microsoft.com/office/drawing/2016/SVG/main" r:embed="rId5"/>
-              </a:ext>
-            </a:extLst>
-          </a:blip>
-          <a:stretch>
-            <a:fillRect/>
-          </a:stretch>
-        </p:blipFill>
-        <p:spPr>
-          <a:xfrm>
-            <a:off x="2429876" y="1721290"/>
-            <a:ext cx="387795" cy="387795"/>
-          </a:xfrm>
-          <a:prstGeom prst="rect">
-            <a:avLst/>
-          </a:prstGeom>
-        </p:spPr>
-      </p:pic>
+        </p:spPr>
+        <p:txBody>
+          <a:bodyPr wrap="square" rtlCol="0">
+            <a:spAutoFit/>
+          </a:bodyPr>
+          <a:lstStyle/>
+          <a:p>
+            <a:pPr marL="285750" indent="-285750">
+              <a:lnSpc>
+                <a:spcPct val="150000"/>
+              </a:lnSpc>
+              <a:buFont typeface="Arial" panose="020B0604020202020204" pitchFamily="34" charset="0"/>
+              <a:buChar char="•"/>
+            </a:pPr>
+            <a:r>
+              <a:rPr lang="de-DE" dirty="0" err="1"/>
+              <a:t>No</a:t>
+            </a:r>
+            <a:r>
+              <a:rPr lang="de-DE" dirty="0"/>
+              <a:t> </a:t>
+            </a:r>
+            <a:r>
+              <a:rPr lang="de-DE" dirty="0" err="1"/>
+              <a:t>dices</a:t>
+            </a:r>
+            <a:r>
+              <a:rPr lang="de-DE" dirty="0"/>
+              <a:t>, </a:t>
+            </a:r>
+            <a:r>
+              <a:rPr lang="de-DE" dirty="0" err="1"/>
+              <a:t>no</a:t>
+            </a:r>
+            <a:r>
+              <a:rPr lang="de-DE" dirty="0"/>
+              <a:t> </a:t>
+            </a:r>
+            <a:r>
+              <a:rPr lang="de-DE" dirty="0" err="1"/>
+              <a:t>dice</a:t>
+            </a:r>
+            <a:r>
+              <a:rPr lang="de-DE" dirty="0"/>
+              <a:t> </a:t>
+            </a:r>
+            <a:r>
+              <a:rPr lang="de-DE" dirty="0" err="1"/>
+              <a:t>cup</a:t>
+            </a:r>
+            <a:r>
+              <a:rPr lang="de-DE" dirty="0"/>
+              <a:t> </a:t>
+            </a:r>
+            <a:r>
+              <a:rPr lang="de-DE" dirty="0" err="1"/>
+              <a:t>and</a:t>
+            </a:r>
+            <a:r>
+              <a:rPr lang="de-DE" dirty="0"/>
+              <a:t> </a:t>
+            </a:r>
+            <a:r>
+              <a:rPr lang="de-DE" dirty="0" err="1"/>
+              <a:t>no</a:t>
+            </a:r>
+            <a:r>
+              <a:rPr lang="de-DE" dirty="0"/>
+              <a:t> </a:t>
+            </a:r>
+            <a:r>
+              <a:rPr lang="de-DE" dirty="0" err="1"/>
+              <a:t>beer</a:t>
+            </a:r>
+            <a:r>
+              <a:rPr lang="de-DE" dirty="0"/>
+              <a:t> </a:t>
+            </a:r>
+            <a:r>
+              <a:rPr lang="de-DE" dirty="0" err="1"/>
+              <a:t>coaster</a:t>
+            </a:r>
+            <a:r>
+              <a:rPr lang="de-DE" dirty="0"/>
+              <a:t>? </a:t>
+            </a:r>
+          </a:p>
+          <a:p>
+            <a:pPr lvl="1">
+              <a:lnSpc>
+                <a:spcPct val="150000"/>
+              </a:lnSpc>
+            </a:pPr>
+            <a:r>
+              <a:rPr lang="de-DE" dirty="0"/>
+              <a:t>-&gt; Go </a:t>
+            </a:r>
+            <a:r>
+              <a:rPr lang="de-DE" dirty="0" err="1"/>
+              <a:t>for</a:t>
+            </a:r>
+            <a:r>
+              <a:rPr lang="de-DE" dirty="0"/>
+              <a:t> Mr. </a:t>
+            </a:r>
+            <a:r>
+              <a:rPr lang="de-DE" dirty="0" err="1"/>
+              <a:t>Mäxchen</a:t>
+            </a:r>
+            <a:r>
+              <a:rPr lang="de-DE" dirty="0"/>
+              <a:t> </a:t>
+            </a:r>
+            <a:r>
+              <a:rPr lang="de-DE" dirty="0" err="1"/>
+              <a:t>and</a:t>
+            </a:r>
+            <a:r>
+              <a:rPr lang="de-DE" dirty="0"/>
+              <a:t> </a:t>
+            </a:r>
+            <a:r>
+              <a:rPr lang="de-DE" dirty="0" err="1"/>
+              <a:t>have</a:t>
+            </a:r>
+            <a:r>
+              <a:rPr lang="de-DE" dirty="0"/>
+              <a:t> </a:t>
+            </a:r>
+            <a:r>
+              <a:rPr lang="de-DE" dirty="0" err="1"/>
+              <a:t>fun</a:t>
+            </a:r>
+            <a:r>
+              <a:rPr lang="de-DE" dirty="0"/>
+              <a:t> </a:t>
+            </a:r>
+            <a:r>
+              <a:rPr lang="de-DE" dirty="0" err="1"/>
+              <a:t>with</a:t>
+            </a:r>
+            <a:r>
+              <a:rPr lang="de-DE" dirty="0"/>
+              <a:t> </a:t>
+            </a:r>
+            <a:r>
+              <a:rPr lang="de-DE" dirty="0" err="1"/>
+              <a:t>your</a:t>
+            </a:r>
+            <a:r>
+              <a:rPr lang="de-DE" dirty="0"/>
+              <a:t> </a:t>
+            </a:r>
+            <a:r>
+              <a:rPr lang="de-DE" dirty="0" err="1"/>
+              <a:t>friends</a:t>
+            </a:r>
+            <a:endParaRPr lang="de-DE" dirty="0"/>
+          </a:p>
+        </p:txBody>
+      </p:sp>
     </p:spTree>
     <p:extLst>
       <p:ext uri="{BB962C8B-B14F-4D97-AF65-F5344CB8AC3E}">
@@ -4026,6 +4432,294 @@
 
 <file path=ppt/slides/slide3.xml><?xml version="1.0" encoding="utf-8"?>
 <p:sld xmlns:a="http://schemas.openxmlformats.org/drawingml/2006/main" xmlns:r="http://schemas.openxmlformats.org/officeDocument/2006/relationships" xmlns:p="http://schemas.openxmlformats.org/presentationml/2006/main">
+  <p:cSld>
+    <p:spTree>
+      <p:nvGrpSpPr>
+        <p:cNvPr id="1" name=""/>
+        <p:cNvGrpSpPr/>
+        <p:nvPr/>
+      </p:nvGrpSpPr>
+      <p:grpSpPr>
+        <a:xfrm>
+          <a:off x="0" y="0"/>
+          <a:ext cx="0" cy="0"/>
+          <a:chOff x="0" y="0"/>
+          <a:chExt cx="0" cy="0"/>
+        </a:xfrm>
+      </p:grpSpPr>
+      <p:sp>
+        <p:nvSpPr>
+          <p:cNvPr id="6" name="Textfeld 5">
+            <a:extLst>
+              <a:ext uri="{FF2B5EF4-FFF2-40B4-BE49-F238E27FC236}">
+                <a16:creationId xmlns:a16="http://schemas.microsoft.com/office/drawing/2014/main" id="{0D542AA0-A302-8442-B216-E8F6D3ABC3FC}"/>
+              </a:ext>
+            </a:extLst>
+          </p:cNvPr>
+          <p:cNvSpPr txBox="1"/>
+          <p:nvPr/>
+        </p:nvSpPr>
+        <p:spPr>
+          <a:xfrm>
+            <a:off x="2580362" y="350729"/>
+            <a:ext cx="7240043" cy="523220"/>
+          </a:xfrm>
+          <a:prstGeom prst="rect">
+            <a:avLst/>
+          </a:prstGeom>
+          <a:noFill/>
+        </p:spPr>
+        <p:txBody>
+          <a:bodyPr wrap="square" rtlCol="0">
+            <a:spAutoFit/>
+          </a:bodyPr>
+          <a:lstStyle/>
+          <a:p>
+            <a:pPr algn="ctr"/>
+            <a:r>
+              <a:rPr lang="en-GB" sz="2800" dirty="0"/>
+              <a:t>GAME „Mr. </a:t>
+            </a:r>
+            <a:r>
+              <a:rPr lang="en-GB" sz="2800" dirty="0" err="1"/>
+              <a:t>Mäxchen</a:t>
+            </a:r>
+            <a:r>
+              <a:rPr lang="en-GB" sz="2800" dirty="0"/>
+              <a:t>“</a:t>
+            </a:r>
+          </a:p>
+        </p:txBody>
+      </p:sp>
+      <p:sp>
+        <p:nvSpPr>
+          <p:cNvPr id="12" name="Textfeld 11">
+            <a:extLst>
+              <a:ext uri="{FF2B5EF4-FFF2-40B4-BE49-F238E27FC236}">
+                <a16:creationId xmlns:a16="http://schemas.microsoft.com/office/drawing/2014/main" id="{D2CA2E3A-760F-DB4D-B473-51F5E0B7ACBE}"/>
+              </a:ext>
+            </a:extLst>
+          </p:cNvPr>
+          <p:cNvSpPr txBox="1"/>
+          <p:nvPr/>
+        </p:nvSpPr>
+        <p:spPr>
+          <a:xfrm>
+            <a:off x="3041986" y="2772034"/>
+            <a:ext cx="6839373" cy="1295868"/>
+          </a:xfrm>
+          <a:prstGeom prst="rect">
+            <a:avLst/>
+          </a:prstGeom>
+          <a:noFill/>
+        </p:spPr>
+        <p:txBody>
+          <a:bodyPr wrap="none" rtlCol="0">
+            <a:spAutoFit/>
+          </a:bodyPr>
+          <a:lstStyle/>
+          <a:p>
+            <a:pPr marL="285750" indent="-285750">
+              <a:lnSpc>
+                <a:spcPct val="150000"/>
+              </a:lnSpc>
+              <a:buFont typeface="Arial" panose="020B0604020202020204" pitchFamily="34" charset="0"/>
+              <a:buChar char="•"/>
+            </a:pPr>
+            <a:r>
+              <a:rPr lang="en-GB" dirty="0"/>
+              <a:t>Sometimes it is not necessary to store a historical values</a:t>
+            </a:r>
+          </a:p>
+          <a:p>
+            <a:pPr marL="285750" indent="-285750">
+              <a:lnSpc>
+                <a:spcPct val="150000"/>
+              </a:lnSpc>
+              <a:buFont typeface="Arial" panose="020B0604020202020204" pitchFamily="34" charset="0"/>
+              <a:buChar char="•"/>
+            </a:pPr>
+            <a:r>
+              <a:rPr lang="en-GB" dirty="0"/>
+              <a:t>Try to keep it clean and easy within the first line of code</a:t>
+            </a:r>
+          </a:p>
+          <a:p>
+            <a:pPr marL="285750" indent="-285750">
+              <a:lnSpc>
+                <a:spcPct val="150000"/>
+              </a:lnSpc>
+              <a:buFont typeface="Arial" panose="020B0604020202020204" pitchFamily="34" charset="0"/>
+              <a:buChar char="•"/>
+            </a:pPr>
+            <a:r>
+              <a:rPr lang="en-GB" u="sng" dirty="0"/>
+              <a:t>BUT</a:t>
+            </a:r>
+            <a:r>
+              <a:rPr lang="en-GB" dirty="0"/>
+              <a:t> start also you do not have the whole idea – keep on developing</a:t>
+            </a:r>
+          </a:p>
+        </p:txBody>
+      </p:sp>
+      <p:sp>
+        <p:nvSpPr>
+          <p:cNvPr id="15" name="Textfeld 14">
+            <a:extLst>
+              <a:ext uri="{FF2B5EF4-FFF2-40B4-BE49-F238E27FC236}">
+                <a16:creationId xmlns:a16="http://schemas.microsoft.com/office/drawing/2014/main" id="{23CF65E4-0411-6F4D-98DE-612E03648C35}"/>
+              </a:ext>
+            </a:extLst>
+          </p:cNvPr>
+          <p:cNvSpPr txBox="1"/>
+          <p:nvPr/>
+        </p:nvSpPr>
+        <p:spPr>
+          <a:xfrm>
+            <a:off x="3041986" y="1078733"/>
+            <a:ext cx="8047203" cy="1295868"/>
+          </a:xfrm>
+          <a:prstGeom prst="rect">
+            <a:avLst/>
+          </a:prstGeom>
+          <a:noFill/>
+        </p:spPr>
+        <p:txBody>
+          <a:bodyPr wrap="none" rtlCol="0">
+            <a:spAutoFit/>
+          </a:bodyPr>
+          <a:lstStyle/>
+          <a:p>
+            <a:pPr marL="285750" indent="-285750">
+              <a:lnSpc>
+                <a:spcPct val="150000"/>
+              </a:lnSpc>
+              <a:buFont typeface="Arial" panose="020B0604020202020204" pitchFamily="34" charset="0"/>
+              <a:buChar char="•"/>
+            </a:pPr>
+            <a:r>
+              <a:rPr lang="en-GB" dirty="0"/>
+              <a:t>Identify the needed components like turns, safe numbers and order of functions</a:t>
+            </a:r>
+          </a:p>
+          <a:p>
+            <a:pPr marL="285750" indent="-285750">
+              <a:lnSpc>
+                <a:spcPct val="150000"/>
+              </a:lnSpc>
+              <a:buFont typeface="Arial" panose="020B0604020202020204" pitchFamily="34" charset="0"/>
+              <a:buChar char="•"/>
+            </a:pPr>
+            <a:r>
+              <a:rPr lang="en-GB" dirty="0"/>
+              <a:t>Knowing basics of OOP -&gt; whole game in one class</a:t>
+            </a:r>
+          </a:p>
+          <a:p>
+            <a:pPr marL="285750" indent="-285750">
+              <a:lnSpc>
+                <a:spcPct val="150000"/>
+              </a:lnSpc>
+              <a:buFont typeface="Arial" panose="020B0604020202020204" pitchFamily="34" charset="0"/>
+              <a:buChar char="•"/>
+            </a:pPr>
+            <a:r>
+              <a:rPr lang="en-GB" dirty="0"/>
+              <a:t>Understanding of the basics of DOM Manipulation</a:t>
+            </a:r>
+          </a:p>
+        </p:txBody>
+      </p:sp>
+      <p:sp>
+        <p:nvSpPr>
+          <p:cNvPr id="16" name="Textfeld 15">
+            <a:extLst>
+              <a:ext uri="{FF2B5EF4-FFF2-40B4-BE49-F238E27FC236}">
+                <a16:creationId xmlns:a16="http://schemas.microsoft.com/office/drawing/2014/main" id="{AA02077E-1E0F-CF42-BA91-A5C1AE38B87B}"/>
+              </a:ext>
+            </a:extLst>
+          </p:cNvPr>
+          <p:cNvSpPr txBox="1"/>
+          <p:nvPr/>
+        </p:nvSpPr>
+        <p:spPr>
+          <a:xfrm>
+            <a:off x="310227" y="1223594"/>
+            <a:ext cx="2554485" cy="369332"/>
+          </a:xfrm>
+          <a:prstGeom prst="rect">
+            <a:avLst/>
+          </a:prstGeom>
+          <a:noFill/>
+        </p:spPr>
+        <p:txBody>
+          <a:bodyPr wrap="square" rtlCol="0">
+            <a:spAutoFit/>
+          </a:bodyPr>
+          <a:lstStyle/>
+          <a:p>
+            <a:pPr algn="ctr"/>
+            <a:r>
+              <a:rPr lang="de-DE" dirty="0"/>
+              <a:t>TECHNICAL CHALLENGE</a:t>
+            </a:r>
+            <a:endParaRPr lang="en-GB" dirty="0"/>
+          </a:p>
+        </p:txBody>
+      </p:sp>
+      <p:sp>
+        <p:nvSpPr>
+          <p:cNvPr id="20" name="Textfeld 19">
+            <a:extLst>
+              <a:ext uri="{FF2B5EF4-FFF2-40B4-BE49-F238E27FC236}">
+                <a16:creationId xmlns:a16="http://schemas.microsoft.com/office/drawing/2014/main" id="{D16C7D07-5FD4-6043-94A8-E7F818D89766}"/>
+              </a:ext>
+            </a:extLst>
+          </p:cNvPr>
+          <p:cNvSpPr txBox="1"/>
+          <p:nvPr/>
+        </p:nvSpPr>
+        <p:spPr>
+          <a:xfrm>
+            <a:off x="310226" y="2858392"/>
+            <a:ext cx="2554485" cy="369332"/>
+          </a:xfrm>
+          <a:prstGeom prst="rect">
+            <a:avLst/>
+          </a:prstGeom>
+          <a:noFill/>
+        </p:spPr>
+        <p:txBody>
+          <a:bodyPr wrap="square" rtlCol="0">
+            <a:spAutoFit/>
+          </a:bodyPr>
+          <a:lstStyle/>
+          <a:p>
+            <a:pPr algn="ctr"/>
+            <a:r>
+              <a:rPr lang="de-DE" dirty="0"/>
+              <a:t>LEARNINGS</a:t>
+            </a:r>
+            <a:endParaRPr lang="en-GB" dirty="0"/>
+          </a:p>
+        </p:txBody>
+      </p:sp>
+    </p:spTree>
+    <p:extLst>
+      <p:ext uri="{BB962C8B-B14F-4D97-AF65-F5344CB8AC3E}">
+        <p14:creationId xmlns:p14="http://schemas.microsoft.com/office/powerpoint/2010/main" val="3744719200"/>
+      </p:ext>
+    </p:extLst>
+  </p:cSld>
+  <p:clrMapOvr>
+    <a:masterClrMapping/>
+  </p:clrMapOvr>
+</p:sld>
+</file>
+
+<file path=ppt/slides/slide4.xml><?xml version="1.0" encoding="utf-8"?>
+<p:sld xmlns:a="http://schemas.openxmlformats.org/drawingml/2006/main" xmlns:r="http://schemas.openxmlformats.org/officeDocument/2006/relationships" xmlns:p="http://schemas.openxmlformats.org/presentationml/2006/main" show="0">
   <p:cSld>
     <p:spTree>
       <p:nvGrpSpPr>
@@ -6841,8 +7535,8 @@
 </p:sld>
 </file>
 
-<file path=ppt/slides/slide4.xml><?xml version="1.0" encoding="utf-8"?>
-<p:sld xmlns:a="http://schemas.openxmlformats.org/drawingml/2006/main" xmlns:r="http://schemas.openxmlformats.org/officeDocument/2006/relationships" xmlns:p="http://schemas.openxmlformats.org/presentationml/2006/main">
+<file path=ppt/slides/slide5.xml><?xml version="1.0" encoding="utf-8"?>
+<p:sld xmlns:a="http://schemas.openxmlformats.org/drawingml/2006/main" xmlns:r="http://schemas.openxmlformats.org/officeDocument/2006/relationships" xmlns:p="http://schemas.openxmlformats.org/presentationml/2006/main" show="0">
   <p:cSld>
     <p:spTree>
       <p:nvGrpSpPr>

--- a/01Presentation/Modul1-Project-Mr.Mäxchen.pptx
+++ b/01Presentation/Modul1-Project-Mr.Mäxchen.pptx
@@ -8,8 +8,9 @@
     <p:sldId id="256" r:id="rId2"/>
     <p:sldId id="257" r:id="rId3"/>
     <p:sldId id="261" r:id="rId4"/>
-    <p:sldId id="258" r:id="rId5"/>
-    <p:sldId id="259" r:id="rId6"/>
+    <p:sldId id="262" r:id="rId5"/>
+    <p:sldId id="258" r:id="rId6"/>
+    <p:sldId id="259" r:id="rId7"/>
   </p:sldIdLst>
   <p:sldSz cx="12192000" cy="6858000"/>
   <p:notesSz cx="6858000" cy="9144000"/>
@@ -3330,78 +3331,6 @@
           <a:chExt cx="0" cy="0"/>
         </a:xfrm>
       </p:grpSpPr>
-      <p:sp>
-        <p:nvSpPr>
-          <p:cNvPr id="6" name="Textfeld 5">
-            <a:extLst>
-              <a:ext uri="{FF2B5EF4-FFF2-40B4-BE49-F238E27FC236}">
-                <a16:creationId xmlns:a16="http://schemas.microsoft.com/office/drawing/2014/main" id="{0D542AA0-A302-8442-B216-E8F6D3ABC3FC}"/>
-              </a:ext>
-            </a:extLst>
-          </p:cNvPr>
-          <p:cNvSpPr txBox="1"/>
-          <p:nvPr/>
-        </p:nvSpPr>
-        <p:spPr>
-          <a:xfrm>
-            <a:off x="5672478" y="2913456"/>
-            <a:ext cx="7240043" cy="2062103"/>
-          </a:xfrm>
-          <a:prstGeom prst="rect">
-            <a:avLst/>
-          </a:prstGeom>
-          <a:noFill/>
-        </p:spPr>
-        <p:txBody>
-          <a:bodyPr wrap="square" rtlCol="0">
-            <a:spAutoFit/>
-          </a:bodyPr>
-          <a:lstStyle/>
-          <a:p>
-            <a:r>
-              <a:rPr lang="de-DE" sz="2800" dirty="0"/>
-              <a:t>Mr. </a:t>
-            </a:r>
-            <a:r>
-              <a:rPr lang="de-DE" sz="2800" dirty="0" err="1"/>
-              <a:t>Mäxchen</a:t>
-            </a:r>
-            <a:endParaRPr lang="de-DE" sz="2800" dirty="0"/>
-          </a:p>
-          <a:p>
-            <a:endParaRPr lang="de-DE" sz="2800" dirty="0"/>
-          </a:p>
-          <a:p>
-            <a:r>
-              <a:rPr lang="de-DE" dirty="0"/>
-              <a:t>GAME „MAIERN“ // LYING // 21</a:t>
-            </a:r>
-          </a:p>
-          <a:p>
-            <a:endParaRPr lang="de-DE" dirty="0"/>
-          </a:p>
-          <a:p>
-            <a:r>
-              <a:rPr lang="de-DE" dirty="0"/>
-              <a:t>Thomas Schweers</a:t>
-            </a:r>
-          </a:p>
-          <a:p>
-            <a:r>
-              <a:rPr lang="de-DE" sz="1400" dirty="0"/>
-              <a:t>[German, 29 </a:t>
-            </a:r>
-            <a:r>
-              <a:rPr lang="de-DE" sz="1400" dirty="0" err="1"/>
-              <a:t>years</a:t>
-            </a:r>
-            <a:r>
-              <a:rPr lang="de-DE" sz="1400" dirty="0"/>
-              <a:t>]</a:t>
-            </a:r>
-          </a:p>
-        </p:txBody>
-      </p:sp>
       <p:pic>
         <p:nvPicPr>
           <p:cNvPr id="10" name="Grafik 9" descr="Würfel">
@@ -3430,14 +3359,199 @@
         </p:blipFill>
         <p:spPr>
           <a:xfrm>
-            <a:off x="2465505" y="2365608"/>
-            <a:ext cx="2608891" cy="2608891"/>
+            <a:off x="11040039" y="174425"/>
+            <a:ext cx="831273" cy="831273"/>
           </a:xfrm>
           <a:prstGeom prst="rect">
             <a:avLst/>
           </a:prstGeom>
         </p:spPr>
       </p:pic>
+      <p:grpSp>
+        <p:nvGrpSpPr>
+          <p:cNvPr id="5" name="Gruppieren 4">
+            <a:extLst>
+              <a:ext uri="{FF2B5EF4-FFF2-40B4-BE49-F238E27FC236}">
+                <a16:creationId xmlns:a16="http://schemas.microsoft.com/office/drawing/2014/main" id="{755F15B9-F887-304A-94D9-927B04ABCDF7}"/>
+              </a:ext>
+            </a:extLst>
+          </p:cNvPr>
+          <p:cNvGrpSpPr/>
+          <p:nvPr/>
+        </p:nvGrpSpPr>
+        <p:grpSpPr>
+          <a:xfrm>
+            <a:off x="2108860" y="2258942"/>
+            <a:ext cx="7974279" cy="2340116"/>
+            <a:chOff x="3065760" y="2479958"/>
+            <a:chExt cx="7974279" cy="2340116"/>
+          </a:xfrm>
+        </p:grpSpPr>
+        <p:sp>
+          <p:nvSpPr>
+            <p:cNvPr id="6" name="Textfeld 5">
+              <a:extLst>
+                <a:ext uri="{FF2B5EF4-FFF2-40B4-BE49-F238E27FC236}">
+                  <a16:creationId xmlns:a16="http://schemas.microsoft.com/office/drawing/2014/main" id="{0D542AA0-A302-8442-B216-E8F6D3ABC3FC}"/>
+                </a:ext>
+              </a:extLst>
+            </p:cNvPr>
+            <p:cNvSpPr txBox="1"/>
+            <p:nvPr/>
+          </p:nvSpPr>
+          <p:spPr>
+            <a:xfrm>
+              <a:off x="6144367" y="3499340"/>
+              <a:ext cx="4895672" cy="1231106"/>
+            </a:xfrm>
+            <a:prstGeom prst="rect">
+              <a:avLst/>
+            </a:prstGeom>
+            <a:noFill/>
+          </p:spPr>
+          <p:txBody>
+            <a:bodyPr wrap="square" rtlCol="0">
+              <a:spAutoFit/>
+            </a:bodyPr>
+            <a:lstStyle/>
+            <a:p>
+              <a:r>
+                <a:rPr lang="de-DE" sz="2400" dirty="0"/>
+                <a:t>Classic </a:t>
+              </a:r>
+              <a:r>
+                <a:rPr lang="de-DE" sz="2400" dirty="0" err="1"/>
+                <a:t>german</a:t>
+              </a:r>
+              <a:r>
+                <a:rPr lang="de-DE" sz="2400" dirty="0"/>
+                <a:t> </a:t>
+              </a:r>
+              <a:r>
+                <a:rPr lang="de-DE" sz="2400" dirty="0" err="1"/>
+                <a:t>drinking</a:t>
+              </a:r>
+              <a:r>
+                <a:rPr lang="de-DE" sz="2400" dirty="0"/>
+                <a:t> </a:t>
+              </a:r>
+              <a:r>
+                <a:rPr lang="de-DE" sz="2400" dirty="0" err="1"/>
+                <a:t>game</a:t>
+              </a:r>
+              <a:endParaRPr lang="de-DE" sz="1200" dirty="0"/>
+            </a:p>
+            <a:p>
+              <a:endParaRPr lang="de-DE" dirty="0"/>
+            </a:p>
+            <a:p>
+              <a:r>
+                <a:rPr lang="de-DE" dirty="0"/>
+                <a:t>Thomas Schweers</a:t>
+              </a:r>
+            </a:p>
+            <a:p>
+              <a:r>
+                <a:rPr lang="de-DE" sz="1400" dirty="0"/>
+                <a:t>[German, 29 </a:t>
+              </a:r>
+              <a:r>
+                <a:rPr lang="de-DE" sz="1400" dirty="0" err="1"/>
+                <a:t>years</a:t>
+              </a:r>
+              <a:r>
+                <a:rPr lang="de-DE" sz="1400" dirty="0"/>
+                <a:t>]</a:t>
+              </a:r>
+            </a:p>
+          </p:txBody>
+        </p:sp>
+        <p:pic>
+          <p:nvPicPr>
+            <p:cNvPr id="3" name="Grafik 2">
+              <a:extLst>
+                <a:ext uri="{FF2B5EF4-FFF2-40B4-BE49-F238E27FC236}">
+                  <a16:creationId xmlns:a16="http://schemas.microsoft.com/office/drawing/2014/main" id="{B3CEB64F-34C1-6E48-8E9B-4D4C39D3F1B8}"/>
+                </a:ext>
+              </a:extLst>
+            </p:cNvPr>
+            <p:cNvPicPr>
+              <a:picLocks noChangeAspect="1"/>
+            </p:cNvPicPr>
+            <p:nvPr/>
+          </p:nvPicPr>
+          <p:blipFill>
+            <a:blip r:embed="rId4"/>
+            <a:stretch>
+              <a:fillRect/>
+            </a:stretch>
+          </p:blipFill>
+          <p:spPr>
+            <a:xfrm>
+              <a:off x="3065760" y="2528559"/>
+              <a:ext cx="2208276" cy="2291515"/>
+            </a:xfrm>
+            <a:prstGeom prst="rect">
+              <a:avLst/>
+            </a:prstGeom>
+          </p:spPr>
+        </p:pic>
+        <p:sp>
+          <p:nvSpPr>
+            <p:cNvPr id="4" name="Rechteck 3">
+              <a:extLst>
+                <a:ext uri="{FF2B5EF4-FFF2-40B4-BE49-F238E27FC236}">
+                  <a16:creationId xmlns:a16="http://schemas.microsoft.com/office/drawing/2014/main" id="{1B79CDB5-2994-7E45-872E-0C1A15C8753E}"/>
+                </a:ext>
+              </a:extLst>
+            </p:cNvPr>
+            <p:cNvSpPr/>
+            <p:nvPr/>
+          </p:nvSpPr>
+          <p:spPr>
+            <a:xfrm>
+              <a:off x="6144365" y="2479958"/>
+              <a:ext cx="4895673" cy="949042"/>
+            </a:xfrm>
+            <a:prstGeom prst="rect">
+              <a:avLst/>
+            </a:prstGeom>
+          </p:spPr>
+          <p:txBody>
+            <a:bodyPr wrap="square">
+              <a:spAutoFit/>
+            </a:bodyPr>
+            <a:lstStyle/>
+            <a:p>
+              <a:pPr>
+                <a:lnSpc>
+                  <a:spcPts val="3240"/>
+                </a:lnSpc>
+              </a:pPr>
+              <a:r>
+                <a:rPr lang="de-DE" sz="4000" dirty="0">
+                  <a:latin typeface="Vidaloka " panose="02000504000000020004" pitchFamily="2" charset="0"/>
+                </a:rPr>
+                <a:t>Mr. </a:t>
+              </a:r>
+              <a:br>
+                <a:rPr lang="de-DE" sz="4000" dirty="0">
+                  <a:latin typeface="Vidaloka " panose="02000504000000020004" pitchFamily="2" charset="0"/>
+                </a:rPr>
+              </a:br>
+              <a:r>
+                <a:rPr lang="de-DE" sz="4000" dirty="0" err="1">
+                  <a:latin typeface="Vidaloka " panose="02000504000000020004" pitchFamily="2" charset="0"/>
+                </a:rPr>
+                <a:t>Mäxchen</a:t>
+              </a:r>
+              <a:endParaRPr lang="de-DE" sz="4000" dirty="0">
+                <a:latin typeface="Vidaloka " panose="02000504000000020004" pitchFamily="2" charset="0"/>
+              </a:endParaRPr>
+            </a:p>
+          </p:txBody>
+        </p:sp>
+      </p:grpSp>
     </p:spTree>
     <p:extLst>
       <p:ext uri="{BB962C8B-B14F-4D97-AF65-F5344CB8AC3E}">
@@ -3470,10 +3584,10 @@
       </p:grpSpPr>
       <p:sp>
         <p:nvSpPr>
-          <p:cNvPr id="6" name="Textfeld 5">
-            <a:extLst>
-              <a:ext uri="{FF2B5EF4-FFF2-40B4-BE49-F238E27FC236}">
-                <a16:creationId xmlns:a16="http://schemas.microsoft.com/office/drawing/2014/main" id="{0D542AA0-A302-8442-B216-E8F6D3ABC3FC}"/>
+          <p:cNvPr id="12" name="Textfeld 11">
+            <a:extLst>
+              <a:ext uri="{FF2B5EF4-FFF2-40B4-BE49-F238E27FC236}">
+                <a16:creationId xmlns:a16="http://schemas.microsoft.com/office/drawing/2014/main" id="{D2CA2E3A-760F-DB4D-B473-51F5E0B7ACBE}"/>
               </a:ext>
             </a:extLst>
           </p:cNvPr>
@@ -3482,52 +3596,8 @@
         </p:nvSpPr>
         <p:spPr>
           <a:xfrm>
-            <a:off x="2580362" y="350729"/>
-            <a:ext cx="7240043" cy="523220"/>
-          </a:xfrm>
-          <a:prstGeom prst="rect">
-            <a:avLst/>
-          </a:prstGeom>
-          <a:noFill/>
-        </p:spPr>
-        <p:txBody>
-          <a:bodyPr wrap="square" rtlCol="0">
-            <a:spAutoFit/>
-          </a:bodyPr>
-          <a:lstStyle/>
-          <a:p>
-            <a:pPr algn="ctr"/>
-            <a:r>
-              <a:rPr lang="en-GB" sz="2800" dirty="0"/>
-              <a:t>GAME „Mr. </a:t>
-            </a:r>
-            <a:r>
-              <a:rPr lang="en-GB" sz="2800" dirty="0" err="1"/>
-              <a:t>Mäxchen</a:t>
-            </a:r>
-            <a:r>
-              <a:rPr lang="en-GB" sz="2800" dirty="0"/>
-              <a:t>“</a:t>
-            </a:r>
-          </a:p>
-        </p:txBody>
-      </p:sp>
-      <p:sp>
-        <p:nvSpPr>
-          <p:cNvPr id="12" name="Textfeld 11">
-            <a:extLst>
-              <a:ext uri="{FF2B5EF4-FFF2-40B4-BE49-F238E27FC236}">
-                <a16:creationId xmlns:a16="http://schemas.microsoft.com/office/drawing/2014/main" id="{D2CA2E3A-760F-DB4D-B473-51F5E0B7ACBE}"/>
-              </a:ext>
-            </a:extLst>
-          </p:cNvPr>
-          <p:cNvSpPr txBox="1"/>
-          <p:nvPr/>
-        </p:nvSpPr>
-        <p:spPr>
-          <a:xfrm>
-            <a:off x="3041987" y="2102117"/>
-            <a:ext cx="7164525" cy="1711366"/>
+            <a:off x="3041987" y="1919237"/>
+            <a:ext cx="7164525" cy="2126864"/>
           </a:xfrm>
           <a:prstGeom prst="rect">
             <a:avLst/>
@@ -3549,15 +3619,7 @@
             </a:pPr>
             <a:r>
               <a:rPr lang="en-GB" dirty="0"/>
-              <a:t>Min 3 Player around a table – no </a:t>
-            </a:r>
-            <a:r>
-              <a:rPr lang="en-GB" dirty="0" err="1"/>
-              <a:t>maxium</a:t>
-            </a:r>
-            <a:r>
-              <a:rPr lang="en-GB" dirty="0"/>
-              <a:t> of people</a:t>
+              <a:t>Minimum of 3 Player around a table – no maximum of people</a:t>
             </a:r>
           </a:p>
           <a:p>
@@ -3591,7 +3653,7 @@
             </a:pPr>
             <a:r>
               <a:rPr lang="en-GB" dirty="0"/>
-              <a:t>play clockwise</a:t>
+              <a:t>Play clockwise</a:t>
             </a:r>
           </a:p>
           <a:p>
@@ -3604,7 +3666,28 @@
             </a:pPr>
             <a:r>
               <a:rPr lang="en-GB" dirty="0"/>
-              <a:t>In each step you have to choice between saying the truth or to lie</a:t>
+              <a:t>In each step you have to choice between saying the truth or lying</a:t>
+            </a:r>
+          </a:p>
+          <a:p>
+            <a:pPr marL="285750" indent="-285750">
+              <a:lnSpc>
+                <a:spcPct val="150000"/>
+              </a:lnSpc>
+              <a:buFont typeface="Arial" panose="020B0604020202020204" pitchFamily="34" charset="0"/>
+              <a:buChar char="•"/>
+            </a:pPr>
+            <a:r>
+              <a:rPr lang="en-GB" dirty="0"/>
+              <a:t>But your number must be </a:t>
+            </a:r>
+            <a:r>
+              <a:rPr lang="en-GB" u="sng" dirty="0"/>
+              <a:t>higher </a:t>
+            </a:r>
+            <a:r>
+              <a:rPr lang="en-GB" dirty="0"/>
+              <a:t>than the previous number</a:t>
             </a:r>
           </a:p>
         </p:txBody>
@@ -3623,8 +3706,8 @@
         </p:nvSpPr>
         <p:spPr>
           <a:xfrm>
-            <a:off x="505186" y="3884811"/>
-            <a:ext cx="2164567" cy="369332"/>
+            <a:off x="411248" y="4372491"/>
+            <a:ext cx="2400016" cy="369332"/>
           </a:xfrm>
           <a:prstGeom prst="rect">
             <a:avLst/>
@@ -3638,7 +3721,9 @@
           <a:lstStyle/>
           <a:p>
             <a:r>
-              <a:rPr lang="en-GB" dirty="0"/>
+              <a:rPr lang="en-GB" dirty="0">
+                <a:latin typeface="Vidaloka " panose="02000504000000020004" pitchFamily="2" charset="0"/>
+              </a:rPr>
               <a:t>ORDER OF NUMBERS</a:t>
             </a:r>
           </a:p>
@@ -3658,7 +3743,7 @@
         </p:nvSpPr>
         <p:spPr>
           <a:xfrm>
-            <a:off x="3074526" y="3884811"/>
+            <a:off x="3074526" y="4387880"/>
             <a:ext cx="8425705" cy="338554"/>
           </a:xfrm>
           <a:prstGeom prst="rect">
@@ -3693,8 +3778,8 @@
         </p:nvSpPr>
         <p:spPr>
           <a:xfrm>
-            <a:off x="520286" y="4303693"/>
-            <a:ext cx="2134367" cy="369332"/>
+            <a:off x="415256" y="4852333"/>
+            <a:ext cx="2392001" cy="369332"/>
           </a:xfrm>
           <a:prstGeom prst="rect">
             <a:avLst/>
@@ -3708,7 +3793,9 @@
           <a:lstStyle/>
           <a:p>
             <a:r>
-              <a:rPr lang="en-GB" dirty="0"/>
+              <a:rPr lang="en-GB" dirty="0">
+                <a:latin typeface="Vidaloka " panose="02000504000000020004" pitchFamily="2" charset="0"/>
+              </a:rPr>
               <a:t>SPEZIAL „MÄXCHEN“</a:t>
             </a:r>
           </a:p>
@@ -3728,7 +3815,7 @@
         </p:nvSpPr>
         <p:spPr>
           <a:xfrm>
-            <a:off x="3074526" y="4303693"/>
+            <a:off x="3074526" y="4867722"/>
             <a:ext cx="8212720" cy="338554"/>
           </a:xfrm>
           <a:prstGeom prst="rect">
@@ -3779,7 +3866,7 @@
         </p:nvGrpSpPr>
         <p:grpSpPr>
           <a:xfrm>
-            <a:off x="716311" y="2138321"/>
+            <a:off x="716311" y="2218226"/>
             <a:ext cx="1736181" cy="1528886"/>
             <a:chOff x="590283" y="1780837"/>
             <a:chExt cx="2100779" cy="1849952"/>
@@ -4102,8 +4189,8 @@
         </p:nvSpPr>
         <p:spPr>
           <a:xfrm>
-            <a:off x="3041987" y="1078733"/>
-            <a:ext cx="8960851" cy="464871"/>
+            <a:off x="3041987" y="1187802"/>
+            <a:ext cx="8562024" cy="464871"/>
           </a:xfrm>
           <a:prstGeom prst="rect">
             <a:avLst/>
@@ -4125,7 +4212,7 @@
             </a:pPr>
             <a:r>
               <a:rPr lang="en-GB" dirty="0"/>
-              <a:t>Coding a </a:t>
+              <a:t>Coding a classic  </a:t>
             </a:r>
             <a:r>
               <a:rPr lang="en-GB" dirty="0" err="1"/>
@@ -4133,7 +4220,7 @@
             </a:r>
             <a:r>
               <a:rPr lang="en-GB" dirty="0"/>
-              <a:t> classic drinking game called known as</a:t>
+              <a:t> drinking game  known as</a:t>
             </a:r>
             <a:r>
               <a:rPr lang="de-DE" dirty="0"/>
@@ -4172,7 +4259,7 @@
         </p:nvSpPr>
         <p:spPr>
           <a:xfrm>
-            <a:off x="310227" y="1223594"/>
+            <a:off x="334014" y="1235571"/>
             <a:ext cx="2554485" cy="369332"/>
           </a:xfrm>
           <a:prstGeom prst="rect">
@@ -4188,7 +4275,9 @@
           <a:p>
             <a:pPr algn="ctr"/>
             <a:r>
-              <a:rPr lang="en-GB" dirty="0"/>
+              <a:rPr lang="en-GB" dirty="0">
+                <a:latin typeface="Vidaloka " panose="02000504000000020004" pitchFamily="2" charset="0"/>
+              </a:rPr>
               <a:t>PROJECT GAME</a:t>
             </a:r>
           </a:p>
@@ -4208,8 +4297,8 @@
         </p:nvSpPr>
         <p:spPr>
           <a:xfrm>
-            <a:off x="310226" y="5581500"/>
-            <a:ext cx="2554485" cy="369332"/>
+            <a:off x="334014" y="5581500"/>
+            <a:ext cx="2554485" cy="646331"/>
           </a:xfrm>
           <a:prstGeom prst="rect">
             <a:avLst/>
@@ -4224,14 +4313,20 @@
           <a:p>
             <a:pPr algn="ctr"/>
             <a:r>
-              <a:rPr lang="en-GB" dirty="0"/>
-              <a:t>Reason for </a:t>
-            </a:r>
-            <a:r>
-              <a:rPr lang="en-GB" dirty="0" err="1"/>
-              <a:t>Mäxchen</a:t>
-            </a:r>
-            <a:endParaRPr lang="en-GB" dirty="0"/>
+              <a:rPr lang="en-GB" dirty="0">
+                <a:latin typeface="Vidaloka " panose="02000504000000020004" pitchFamily="2" charset="0"/>
+              </a:rPr>
+              <a:t>REASON FOR </a:t>
+            </a:r>
+          </a:p>
+          <a:p>
+            <a:pPr algn="ctr"/>
+            <a:r>
+              <a:rPr lang="en-GB" dirty="0">
+                <a:latin typeface="Vidaloka " panose="02000504000000020004" pitchFamily="2" charset="0"/>
+              </a:rPr>
+              <a:t>THE GAME</a:t>
+            </a:r>
           </a:p>
         </p:txBody>
       </p:sp>
@@ -4249,7 +4344,7 @@
         </p:nvSpPr>
         <p:spPr>
           <a:xfrm>
-            <a:off x="3041986" y="5485961"/>
+            <a:off x="3041986" y="5425001"/>
             <a:ext cx="7565054" cy="880369"/>
           </a:xfrm>
           <a:prstGeom prst="rect">
@@ -4414,6 +4509,97 @@
               <a:t>friends</a:t>
             </a:r>
             <a:endParaRPr lang="de-DE" dirty="0"/>
+          </a:p>
+        </p:txBody>
+      </p:sp>
+      <p:pic>
+        <p:nvPicPr>
+          <p:cNvPr id="20" name="Grafik 19" descr="Würfel">
+            <a:extLst>
+              <a:ext uri="{FF2B5EF4-FFF2-40B4-BE49-F238E27FC236}">
+                <a16:creationId xmlns:a16="http://schemas.microsoft.com/office/drawing/2014/main" id="{D1F2522B-088E-3A4F-90C4-16DA9F5C23F7}"/>
+              </a:ext>
+            </a:extLst>
+          </p:cNvPr>
+          <p:cNvPicPr>
+            <a:picLocks noChangeAspect="1"/>
+          </p:cNvPicPr>
+          <p:nvPr/>
+        </p:nvPicPr>
+        <p:blipFill>
+          <a:blip r:embed="rId6">
+            <a:extLst>
+              <a:ext uri="{96DAC541-7B7A-43D3-8B79-37D633B846F1}">
+                <asvg:svgBlip xmlns:asvg="http://schemas.microsoft.com/office/drawing/2016/SVG/main" r:embed="rId7"/>
+              </a:ext>
+            </a:extLst>
+          </a:blip>
+          <a:stretch>
+            <a:fillRect/>
+          </a:stretch>
+        </p:blipFill>
+        <p:spPr>
+          <a:xfrm>
+            <a:off x="214204" y="170992"/>
+            <a:ext cx="624548" cy="624548"/>
+          </a:xfrm>
+          <a:prstGeom prst="rect">
+            <a:avLst/>
+          </a:prstGeom>
+        </p:spPr>
+      </p:pic>
+      <p:sp>
+        <p:nvSpPr>
+          <p:cNvPr id="21" name="Rechteck 20">
+            <a:extLst>
+              <a:ext uri="{FF2B5EF4-FFF2-40B4-BE49-F238E27FC236}">
+                <a16:creationId xmlns:a16="http://schemas.microsoft.com/office/drawing/2014/main" id="{6EA72FCA-C321-574F-AF60-3DBC20311425}"/>
+              </a:ext>
+            </a:extLst>
+          </p:cNvPr>
+          <p:cNvSpPr/>
+          <p:nvPr/>
+        </p:nvSpPr>
+        <p:spPr>
+          <a:xfrm>
+            <a:off x="806402" y="154971"/>
+            <a:ext cx="5038016" cy="656590"/>
+          </a:xfrm>
+          <a:prstGeom prst="rect">
+            <a:avLst/>
+          </a:prstGeom>
+        </p:spPr>
+        <p:txBody>
+          <a:bodyPr>
+            <a:spAutoFit/>
+          </a:bodyPr>
+          <a:lstStyle/>
+          <a:p>
+            <a:pPr>
+              <a:lnSpc>
+                <a:spcPts val="2240"/>
+              </a:lnSpc>
+            </a:pPr>
+            <a:r>
+              <a:rPr lang="de-DE" sz="2000" dirty="0">
+                <a:latin typeface="Vidaloka " panose="02000504000000020004" pitchFamily="2" charset="0"/>
+              </a:rPr>
+              <a:t>Mr. </a:t>
+            </a:r>
+            <a:br>
+              <a:rPr lang="de-DE" sz="2000" dirty="0">
+                <a:latin typeface="Vidaloka " panose="02000504000000020004" pitchFamily="2" charset="0"/>
+              </a:rPr>
+            </a:br>
+            <a:r>
+              <a:rPr lang="de-DE" sz="2000" dirty="0" err="1">
+                <a:latin typeface="Vidaloka " panose="02000504000000020004" pitchFamily="2" charset="0"/>
+              </a:rPr>
+              <a:t>Mäxchen</a:t>
+            </a:r>
+            <a:endParaRPr lang="de-DE" sz="2000" dirty="0">
+              <a:latin typeface="Vidaloka " panose="02000504000000020004" pitchFamily="2" charset="0"/>
+            </a:endParaRPr>
           </a:p>
         </p:txBody>
       </p:sp>
@@ -4449,50 +4635,6 @@
       </p:grpSpPr>
       <p:sp>
         <p:nvSpPr>
-          <p:cNvPr id="6" name="Textfeld 5">
-            <a:extLst>
-              <a:ext uri="{FF2B5EF4-FFF2-40B4-BE49-F238E27FC236}">
-                <a16:creationId xmlns:a16="http://schemas.microsoft.com/office/drawing/2014/main" id="{0D542AA0-A302-8442-B216-E8F6D3ABC3FC}"/>
-              </a:ext>
-            </a:extLst>
-          </p:cNvPr>
-          <p:cNvSpPr txBox="1"/>
-          <p:nvPr/>
-        </p:nvSpPr>
-        <p:spPr>
-          <a:xfrm>
-            <a:off x="2580362" y="350729"/>
-            <a:ext cx="7240043" cy="523220"/>
-          </a:xfrm>
-          <a:prstGeom prst="rect">
-            <a:avLst/>
-          </a:prstGeom>
-          <a:noFill/>
-        </p:spPr>
-        <p:txBody>
-          <a:bodyPr wrap="square" rtlCol="0">
-            <a:spAutoFit/>
-          </a:bodyPr>
-          <a:lstStyle/>
-          <a:p>
-            <a:pPr algn="ctr"/>
-            <a:r>
-              <a:rPr lang="en-GB" sz="2800" dirty="0"/>
-              <a:t>GAME „Mr. </a:t>
-            </a:r>
-            <a:r>
-              <a:rPr lang="en-GB" sz="2800" dirty="0" err="1"/>
-              <a:t>Mäxchen</a:t>
-            </a:r>
-            <a:r>
-              <a:rPr lang="en-GB" sz="2800" dirty="0"/>
-              <a:t>“</a:t>
-            </a:r>
-          </a:p>
-        </p:txBody>
-      </p:sp>
-      <p:sp>
-        <p:nvSpPr>
           <p:cNvPr id="12" name="Textfeld 11">
             <a:extLst>
               <a:ext uri="{FF2B5EF4-FFF2-40B4-BE49-F238E27FC236}">
@@ -4577,7 +4719,7 @@
         </p:nvSpPr>
         <p:spPr>
           <a:xfrm>
-            <a:off x="3041986" y="1078733"/>
+            <a:off x="3041986" y="1094231"/>
             <a:ext cx="8047203" cy="1295868"/>
           </a:xfrm>
           <a:prstGeom prst="rect">
@@ -4646,7 +4788,7 @@
         <p:spPr>
           <a:xfrm>
             <a:off x="310227" y="1223594"/>
-            <a:ext cx="2554485" cy="369332"/>
+            <a:ext cx="2554485" cy="646331"/>
           </a:xfrm>
           <a:prstGeom prst="rect">
             <a:avLst/>
@@ -4661,10 +4803,14 @@
           <a:p>
             <a:pPr algn="ctr"/>
             <a:r>
-              <a:rPr lang="de-DE" dirty="0"/>
+              <a:rPr lang="de-DE" dirty="0">
+                <a:latin typeface="Vidaloka " panose="02000504000000020004" pitchFamily="2" charset="0"/>
+              </a:rPr>
               <a:t>TECHNICAL CHALLENGE</a:t>
             </a:r>
-            <a:endParaRPr lang="en-GB" dirty="0"/>
+            <a:endParaRPr lang="en-GB" dirty="0">
+              <a:latin typeface="Vidaloka " panose="02000504000000020004" pitchFamily="2" charset="0"/>
+            </a:endParaRPr>
           </a:p>
         </p:txBody>
       </p:sp>
@@ -4698,10 +4844,183 @@
           <a:p>
             <a:pPr algn="ctr"/>
             <a:r>
-              <a:rPr lang="de-DE" dirty="0"/>
+              <a:rPr lang="de-DE" dirty="0">
+                <a:latin typeface="Vidaloka " panose="02000504000000020004" pitchFamily="2" charset="0"/>
+              </a:rPr>
               <a:t>LEARNINGS</a:t>
             </a:r>
-            <a:endParaRPr lang="en-GB" dirty="0"/>
+            <a:endParaRPr lang="en-GB" dirty="0">
+              <a:latin typeface="Vidaloka " panose="02000504000000020004" pitchFamily="2" charset="0"/>
+            </a:endParaRPr>
+          </a:p>
+        </p:txBody>
+      </p:sp>
+      <p:pic>
+        <p:nvPicPr>
+          <p:cNvPr id="21" name="Grafik 20" descr="Würfel">
+            <a:extLst>
+              <a:ext uri="{FF2B5EF4-FFF2-40B4-BE49-F238E27FC236}">
+                <a16:creationId xmlns:a16="http://schemas.microsoft.com/office/drawing/2014/main" id="{3254BAC6-C63C-EB43-A347-AF3DC47E3657}"/>
+              </a:ext>
+            </a:extLst>
+          </p:cNvPr>
+          <p:cNvPicPr>
+            <a:picLocks noChangeAspect="1"/>
+          </p:cNvPicPr>
+          <p:nvPr/>
+        </p:nvPicPr>
+        <p:blipFill>
+          <a:blip r:embed="rId2">
+            <a:extLst>
+              <a:ext uri="{96DAC541-7B7A-43D3-8B79-37D633B846F1}">
+                <asvg:svgBlip xmlns:asvg="http://schemas.microsoft.com/office/drawing/2016/SVG/main" r:embed="rId3"/>
+              </a:ext>
+            </a:extLst>
+          </a:blip>
+          <a:stretch>
+            <a:fillRect/>
+          </a:stretch>
+        </p:blipFill>
+        <p:spPr>
+          <a:xfrm>
+            <a:off x="214204" y="170992"/>
+            <a:ext cx="624548" cy="624548"/>
+          </a:xfrm>
+          <a:prstGeom prst="rect">
+            <a:avLst/>
+          </a:prstGeom>
+        </p:spPr>
+      </p:pic>
+      <p:sp>
+        <p:nvSpPr>
+          <p:cNvPr id="23" name="Rechteck 22">
+            <a:extLst>
+              <a:ext uri="{FF2B5EF4-FFF2-40B4-BE49-F238E27FC236}">
+                <a16:creationId xmlns:a16="http://schemas.microsoft.com/office/drawing/2014/main" id="{0B4BE047-2559-3446-AE69-A0983024E645}"/>
+              </a:ext>
+            </a:extLst>
+          </p:cNvPr>
+          <p:cNvSpPr/>
+          <p:nvPr/>
+        </p:nvSpPr>
+        <p:spPr>
+          <a:xfrm>
+            <a:off x="806402" y="154971"/>
+            <a:ext cx="5038016" cy="656590"/>
+          </a:xfrm>
+          <a:prstGeom prst="rect">
+            <a:avLst/>
+          </a:prstGeom>
+        </p:spPr>
+        <p:txBody>
+          <a:bodyPr>
+            <a:spAutoFit/>
+          </a:bodyPr>
+          <a:lstStyle/>
+          <a:p>
+            <a:pPr>
+              <a:lnSpc>
+                <a:spcPts val="2240"/>
+              </a:lnSpc>
+            </a:pPr>
+            <a:r>
+              <a:rPr lang="de-DE" sz="2000" dirty="0">
+                <a:latin typeface="Vidaloka " panose="02000504000000020004" pitchFamily="2" charset="0"/>
+              </a:rPr>
+              <a:t>Mr. </a:t>
+            </a:r>
+            <a:br>
+              <a:rPr lang="de-DE" sz="2000" dirty="0">
+                <a:latin typeface="Vidaloka " panose="02000504000000020004" pitchFamily="2" charset="0"/>
+              </a:rPr>
+            </a:br>
+            <a:r>
+              <a:rPr lang="de-DE" sz="2000" dirty="0" err="1">
+                <a:latin typeface="Vidaloka " panose="02000504000000020004" pitchFamily="2" charset="0"/>
+              </a:rPr>
+              <a:t>Mäxchen</a:t>
+            </a:r>
+            <a:endParaRPr lang="de-DE" sz="2000" dirty="0">
+              <a:latin typeface="Vidaloka " panose="02000504000000020004" pitchFamily="2" charset="0"/>
+            </a:endParaRPr>
+          </a:p>
+        </p:txBody>
+      </p:sp>
+      <p:sp>
+        <p:nvSpPr>
+          <p:cNvPr id="27" name="Textfeld 26">
+            <a:extLst>
+              <a:ext uri="{FF2B5EF4-FFF2-40B4-BE49-F238E27FC236}">
+                <a16:creationId xmlns:a16="http://schemas.microsoft.com/office/drawing/2014/main" id="{93DB3098-8631-2C45-9A29-E36CDAA87EB2}"/>
+              </a:ext>
+            </a:extLst>
+          </p:cNvPr>
+          <p:cNvSpPr txBox="1"/>
+          <p:nvPr/>
+        </p:nvSpPr>
+        <p:spPr>
+          <a:xfrm>
+            <a:off x="268023" y="4560583"/>
+            <a:ext cx="2554485" cy="369332"/>
+          </a:xfrm>
+          <a:prstGeom prst="rect">
+            <a:avLst/>
+          </a:prstGeom>
+          <a:noFill/>
+        </p:spPr>
+        <p:txBody>
+          <a:bodyPr wrap="square" rtlCol="0">
+            <a:spAutoFit/>
+          </a:bodyPr>
+          <a:lstStyle/>
+          <a:p>
+            <a:pPr algn="ctr"/>
+            <a:r>
+              <a:rPr lang="de-DE" dirty="0">
+                <a:latin typeface="Vidaloka " panose="02000504000000020004" pitchFamily="2" charset="0"/>
+              </a:rPr>
+              <a:t>DEMO</a:t>
+            </a:r>
+            <a:endParaRPr lang="en-GB" dirty="0">
+              <a:latin typeface="Vidaloka " panose="02000504000000020004" pitchFamily="2" charset="0"/>
+            </a:endParaRPr>
+          </a:p>
+        </p:txBody>
+      </p:sp>
+      <p:sp>
+        <p:nvSpPr>
+          <p:cNvPr id="10" name="Rechteck 9">
+            <a:extLst>
+              <a:ext uri="{FF2B5EF4-FFF2-40B4-BE49-F238E27FC236}">
+                <a16:creationId xmlns:a16="http://schemas.microsoft.com/office/drawing/2014/main" id="{06F30490-8B1D-FE40-B879-5C52ECD12C82}"/>
+              </a:ext>
+            </a:extLst>
+          </p:cNvPr>
+          <p:cNvSpPr/>
+          <p:nvPr/>
+        </p:nvSpPr>
+        <p:spPr>
+          <a:xfrm>
+            <a:off x="3041986" y="4560583"/>
+            <a:ext cx="4505977" cy="369332"/>
+          </a:xfrm>
+          <a:prstGeom prst="rect">
+            <a:avLst/>
+          </a:prstGeom>
+        </p:spPr>
+        <p:txBody>
+          <a:bodyPr wrap="none">
+            <a:spAutoFit/>
+          </a:bodyPr>
+          <a:lstStyle/>
+          <a:p>
+            <a:r>
+              <a:rPr lang="de-DE" dirty="0">
+                <a:hlinkClick r:id="rId4"/>
+              </a:rPr>
+              <a:t>https://t4ms.github.io/06Project1-Maexchen/</a:t>
+            </a:r>
+            <a:endParaRPr lang="de-DE" dirty="0"/>
           </a:p>
         </p:txBody>
       </p:sp>
@@ -4719,6 +5038,190 @@
 </file>
 
 <file path=ppt/slides/slide4.xml><?xml version="1.0" encoding="utf-8"?>
+<p:sld xmlns:a="http://schemas.openxmlformats.org/drawingml/2006/main" xmlns:r="http://schemas.openxmlformats.org/officeDocument/2006/relationships" xmlns:p="http://schemas.openxmlformats.org/presentationml/2006/main">
+  <p:cSld>
+    <p:spTree>
+      <p:nvGrpSpPr>
+        <p:cNvPr id="1" name=""/>
+        <p:cNvGrpSpPr/>
+        <p:nvPr/>
+      </p:nvGrpSpPr>
+      <p:grpSpPr>
+        <a:xfrm>
+          <a:off x="0" y="0"/>
+          <a:ext cx="0" cy="0"/>
+          <a:chOff x="0" y="0"/>
+          <a:chExt cx="0" cy="0"/>
+        </a:xfrm>
+      </p:grpSpPr>
+      <p:grpSp>
+        <p:nvGrpSpPr>
+          <p:cNvPr id="6" name="Gruppieren 5">
+            <a:extLst>
+              <a:ext uri="{FF2B5EF4-FFF2-40B4-BE49-F238E27FC236}">
+                <a16:creationId xmlns:a16="http://schemas.microsoft.com/office/drawing/2014/main" id="{6A6571C8-F12E-F544-A1E1-BAF2A648C886}"/>
+              </a:ext>
+            </a:extLst>
+          </p:cNvPr>
+          <p:cNvGrpSpPr/>
+          <p:nvPr/>
+        </p:nvGrpSpPr>
+        <p:grpSpPr>
+          <a:xfrm>
+            <a:off x="2840082" y="2283243"/>
+            <a:ext cx="6511836" cy="2291515"/>
+            <a:chOff x="2720302" y="2283242"/>
+            <a:chExt cx="6511836" cy="2291515"/>
+          </a:xfrm>
+        </p:grpSpPr>
+        <p:pic>
+          <p:nvPicPr>
+            <p:cNvPr id="4" name="Grafik 3">
+              <a:extLst>
+                <a:ext uri="{FF2B5EF4-FFF2-40B4-BE49-F238E27FC236}">
+                  <a16:creationId xmlns:a16="http://schemas.microsoft.com/office/drawing/2014/main" id="{9243A3A5-9F82-7347-A419-73739731CD40}"/>
+                </a:ext>
+              </a:extLst>
+            </p:cNvPr>
+            <p:cNvPicPr>
+              <a:picLocks noChangeAspect="1"/>
+            </p:cNvPicPr>
+            <p:nvPr/>
+          </p:nvPicPr>
+          <p:blipFill>
+            <a:blip r:embed="rId2"/>
+            <a:stretch>
+              <a:fillRect/>
+            </a:stretch>
+          </p:blipFill>
+          <p:spPr>
+            <a:xfrm>
+              <a:off x="7023862" y="2283242"/>
+              <a:ext cx="2208276" cy="2291515"/>
+            </a:xfrm>
+            <a:prstGeom prst="rect">
+              <a:avLst/>
+            </a:prstGeom>
+          </p:spPr>
+        </p:pic>
+        <p:sp>
+          <p:nvSpPr>
+            <p:cNvPr id="5" name="Rechteck 4">
+              <a:extLst>
+                <a:ext uri="{FF2B5EF4-FFF2-40B4-BE49-F238E27FC236}">
+                  <a16:creationId xmlns:a16="http://schemas.microsoft.com/office/drawing/2014/main" id="{6E43B513-2512-6B44-93BF-C1B031E30F71}"/>
+                </a:ext>
+              </a:extLst>
+            </p:cNvPr>
+            <p:cNvSpPr/>
+            <p:nvPr/>
+          </p:nvSpPr>
+          <p:spPr>
+            <a:xfrm>
+              <a:off x="2720302" y="2767279"/>
+              <a:ext cx="4895673" cy="1323439"/>
+            </a:xfrm>
+            <a:prstGeom prst="rect">
+              <a:avLst/>
+            </a:prstGeom>
+          </p:spPr>
+          <p:txBody>
+            <a:bodyPr wrap="square">
+              <a:spAutoFit/>
+            </a:bodyPr>
+            <a:lstStyle/>
+            <a:p>
+              <a:pPr algn="ctr">
+                <a:lnSpc>
+                  <a:spcPts val="3240"/>
+                </a:lnSpc>
+              </a:pPr>
+              <a:r>
+                <a:rPr lang="de-DE" sz="2800" dirty="0" err="1">
+                  <a:latin typeface="Vidaloka " panose="02000504000000020004" pitchFamily="2" charset="0"/>
+                </a:rPr>
+                <a:t>Have</a:t>
+              </a:r>
+              <a:r>
+                <a:rPr lang="de-DE" sz="2800" dirty="0">
+                  <a:latin typeface="Vidaloka " panose="02000504000000020004" pitchFamily="2" charset="0"/>
+                </a:rPr>
+                <a:t> </a:t>
+              </a:r>
+              <a:r>
+                <a:rPr lang="de-DE" sz="2800" dirty="0" err="1">
+                  <a:latin typeface="Vidaloka " panose="02000504000000020004" pitchFamily="2" charset="0"/>
+                </a:rPr>
+                <a:t>fun</a:t>
+              </a:r>
+              <a:endParaRPr lang="de-DE" sz="2800" dirty="0">
+                <a:latin typeface="Vidaloka " panose="02000504000000020004" pitchFamily="2" charset="0"/>
+              </a:endParaRPr>
+            </a:p>
+            <a:p>
+              <a:pPr algn="ctr">
+                <a:lnSpc>
+                  <a:spcPts val="3240"/>
+                </a:lnSpc>
+              </a:pPr>
+              <a:r>
+                <a:rPr lang="de-DE" sz="2800" dirty="0">
+                  <a:latin typeface="Vidaloka " panose="02000504000000020004" pitchFamily="2" charset="0"/>
+                </a:rPr>
+                <a:t>&amp;</a:t>
+              </a:r>
+            </a:p>
+            <a:p>
+              <a:pPr algn="ctr">
+                <a:lnSpc>
+                  <a:spcPts val="3240"/>
+                </a:lnSpc>
+              </a:pPr>
+              <a:r>
+                <a:rPr lang="de-DE" sz="2800" dirty="0">
+                  <a:latin typeface="Vidaloka " panose="02000504000000020004" pitchFamily="2" charset="0"/>
+                </a:rPr>
+                <a:t>Take </a:t>
+              </a:r>
+              <a:r>
+                <a:rPr lang="de-DE" sz="2800" dirty="0" err="1">
+                  <a:latin typeface="Vidaloka " panose="02000504000000020004" pitchFamily="2" charset="0"/>
+                </a:rPr>
+                <a:t>some</a:t>
+              </a:r>
+              <a:r>
+                <a:rPr lang="de-DE" sz="2800" dirty="0">
+                  <a:latin typeface="Vidaloka " panose="02000504000000020004" pitchFamily="2" charset="0"/>
+                </a:rPr>
+                <a:t> </a:t>
+              </a:r>
+              <a:r>
+                <a:rPr lang="de-DE" sz="2800" dirty="0" err="1">
+                  <a:latin typeface="Vidaloka " panose="02000504000000020004" pitchFamily="2" charset="0"/>
+                </a:rPr>
+                <a:t>drinks</a:t>
+              </a:r>
+              <a:endParaRPr lang="de-DE" sz="2800" dirty="0">
+                <a:latin typeface="Vidaloka " panose="02000504000000020004" pitchFamily="2" charset="0"/>
+              </a:endParaRPr>
+            </a:p>
+          </p:txBody>
+        </p:sp>
+      </p:grpSp>
+    </p:spTree>
+    <p:extLst>
+      <p:ext uri="{BB962C8B-B14F-4D97-AF65-F5344CB8AC3E}">
+        <p14:creationId xmlns:p14="http://schemas.microsoft.com/office/powerpoint/2010/main" val="1598813959"/>
+      </p:ext>
+    </p:extLst>
+  </p:cSld>
+  <p:clrMapOvr>
+    <a:masterClrMapping/>
+  </p:clrMapOvr>
+</p:sld>
+</file>
+
+<file path=ppt/slides/slide5.xml><?xml version="1.0" encoding="utf-8"?>
 <p:sld xmlns:a="http://schemas.openxmlformats.org/drawingml/2006/main" xmlns:r="http://schemas.openxmlformats.org/officeDocument/2006/relationships" xmlns:p="http://schemas.openxmlformats.org/presentationml/2006/main" show="0">
   <p:cSld>
     <p:spTree>
@@ -7522,6 +8025,97 @@
           </a:p>
         </p:txBody>
       </p:sp>
+      <p:pic>
+        <p:nvPicPr>
+          <p:cNvPr id="75" name="Grafik 74" descr="Würfel">
+            <a:extLst>
+              <a:ext uri="{FF2B5EF4-FFF2-40B4-BE49-F238E27FC236}">
+                <a16:creationId xmlns:a16="http://schemas.microsoft.com/office/drawing/2014/main" id="{5143F3A2-929D-9C43-9B8A-EE9604E0C954}"/>
+              </a:ext>
+            </a:extLst>
+          </p:cNvPr>
+          <p:cNvPicPr>
+            <a:picLocks noChangeAspect="1"/>
+          </p:cNvPicPr>
+          <p:nvPr/>
+        </p:nvPicPr>
+        <p:blipFill>
+          <a:blip r:embed="rId2">
+            <a:extLst>
+              <a:ext uri="{96DAC541-7B7A-43D3-8B79-37D633B846F1}">
+                <asvg:svgBlip xmlns:asvg="http://schemas.microsoft.com/office/drawing/2016/SVG/main" r:embed="rId3"/>
+              </a:ext>
+            </a:extLst>
+          </a:blip>
+          <a:stretch>
+            <a:fillRect/>
+          </a:stretch>
+        </p:blipFill>
+        <p:spPr>
+          <a:xfrm>
+            <a:off x="214204" y="170992"/>
+            <a:ext cx="624548" cy="624548"/>
+          </a:xfrm>
+          <a:prstGeom prst="rect">
+            <a:avLst/>
+          </a:prstGeom>
+        </p:spPr>
+      </p:pic>
+      <p:sp>
+        <p:nvSpPr>
+          <p:cNvPr id="76" name="Rechteck 75">
+            <a:extLst>
+              <a:ext uri="{FF2B5EF4-FFF2-40B4-BE49-F238E27FC236}">
+                <a16:creationId xmlns:a16="http://schemas.microsoft.com/office/drawing/2014/main" id="{6E5C99A3-690B-7C42-B92A-DA5CBE90A6E0}"/>
+              </a:ext>
+            </a:extLst>
+          </p:cNvPr>
+          <p:cNvSpPr/>
+          <p:nvPr/>
+        </p:nvSpPr>
+        <p:spPr>
+          <a:xfrm>
+            <a:off x="806402" y="154971"/>
+            <a:ext cx="5038016" cy="656590"/>
+          </a:xfrm>
+          <a:prstGeom prst="rect">
+            <a:avLst/>
+          </a:prstGeom>
+        </p:spPr>
+        <p:txBody>
+          <a:bodyPr>
+            <a:spAutoFit/>
+          </a:bodyPr>
+          <a:lstStyle/>
+          <a:p>
+            <a:pPr>
+              <a:lnSpc>
+                <a:spcPts val="2240"/>
+              </a:lnSpc>
+            </a:pPr>
+            <a:r>
+              <a:rPr lang="de-DE" sz="2000" dirty="0">
+                <a:latin typeface="Vidaloka " panose="02000504000000020004" pitchFamily="2" charset="0"/>
+              </a:rPr>
+              <a:t>Mr. </a:t>
+            </a:r>
+            <a:br>
+              <a:rPr lang="de-DE" sz="2000" dirty="0">
+                <a:latin typeface="Vidaloka " panose="02000504000000020004" pitchFamily="2" charset="0"/>
+              </a:rPr>
+            </a:br>
+            <a:r>
+              <a:rPr lang="de-DE" sz="2000" dirty="0" err="1">
+                <a:latin typeface="Vidaloka " panose="02000504000000020004" pitchFamily="2" charset="0"/>
+              </a:rPr>
+              <a:t>Mäxchen</a:t>
+            </a:r>
+            <a:endParaRPr lang="de-DE" sz="2000" dirty="0">
+              <a:latin typeface="Vidaloka " panose="02000504000000020004" pitchFamily="2" charset="0"/>
+            </a:endParaRPr>
+          </a:p>
+        </p:txBody>
+      </p:sp>
     </p:spTree>
     <p:extLst>
       <p:ext uri="{BB962C8B-B14F-4D97-AF65-F5344CB8AC3E}">
@@ -7535,7 +8129,7 @@
 </p:sld>
 </file>
 
-<file path=ppt/slides/slide5.xml><?xml version="1.0" encoding="utf-8"?>
+<file path=ppt/slides/slide6.xml><?xml version="1.0" encoding="utf-8"?>
 <p:sld xmlns:a="http://schemas.openxmlformats.org/drawingml/2006/main" xmlns:r="http://schemas.openxmlformats.org/officeDocument/2006/relationships" xmlns:p="http://schemas.openxmlformats.org/presentationml/2006/main" show="0">
   <p:cSld>
     <p:spTree>
@@ -7727,6 +8321,97 @@
               </a:lnSpc>
             </a:pPr>
             <a:endParaRPr lang="en-GB" dirty="0"/>
+          </a:p>
+        </p:txBody>
+      </p:sp>
+      <p:pic>
+        <p:nvPicPr>
+          <p:cNvPr id="7" name="Grafik 6" descr="Würfel">
+            <a:extLst>
+              <a:ext uri="{FF2B5EF4-FFF2-40B4-BE49-F238E27FC236}">
+                <a16:creationId xmlns:a16="http://schemas.microsoft.com/office/drawing/2014/main" id="{723DE07D-3A83-9944-8B0B-FBC2BF64A527}"/>
+              </a:ext>
+            </a:extLst>
+          </p:cNvPr>
+          <p:cNvPicPr>
+            <a:picLocks noChangeAspect="1"/>
+          </p:cNvPicPr>
+          <p:nvPr/>
+        </p:nvPicPr>
+        <p:blipFill>
+          <a:blip r:embed="rId2">
+            <a:extLst>
+              <a:ext uri="{96DAC541-7B7A-43D3-8B79-37D633B846F1}">
+                <asvg:svgBlip xmlns:asvg="http://schemas.microsoft.com/office/drawing/2016/SVG/main" r:embed="rId3"/>
+              </a:ext>
+            </a:extLst>
+          </a:blip>
+          <a:stretch>
+            <a:fillRect/>
+          </a:stretch>
+        </p:blipFill>
+        <p:spPr>
+          <a:xfrm>
+            <a:off x="214204" y="170992"/>
+            <a:ext cx="624548" cy="624548"/>
+          </a:xfrm>
+          <a:prstGeom prst="rect">
+            <a:avLst/>
+          </a:prstGeom>
+        </p:spPr>
+      </p:pic>
+      <p:sp>
+        <p:nvSpPr>
+          <p:cNvPr id="8" name="Rechteck 7">
+            <a:extLst>
+              <a:ext uri="{FF2B5EF4-FFF2-40B4-BE49-F238E27FC236}">
+                <a16:creationId xmlns:a16="http://schemas.microsoft.com/office/drawing/2014/main" id="{6C5A9709-F04D-5543-B5A6-2E9AE51E2134}"/>
+              </a:ext>
+            </a:extLst>
+          </p:cNvPr>
+          <p:cNvSpPr/>
+          <p:nvPr/>
+        </p:nvSpPr>
+        <p:spPr>
+          <a:xfrm>
+            <a:off x="806402" y="154971"/>
+            <a:ext cx="5038016" cy="656590"/>
+          </a:xfrm>
+          <a:prstGeom prst="rect">
+            <a:avLst/>
+          </a:prstGeom>
+        </p:spPr>
+        <p:txBody>
+          <a:bodyPr>
+            <a:spAutoFit/>
+          </a:bodyPr>
+          <a:lstStyle/>
+          <a:p>
+            <a:pPr>
+              <a:lnSpc>
+                <a:spcPts val="2240"/>
+              </a:lnSpc>
+            </a:pPr>
+            <a:r>
+              <a:rPr lang="de-DE" sz="2000" dirty="0">
+                <a:latin typeface="Vidaloka " panose="02000504000000020004" pitchFamily="2" charset="0"/>
+              </a:rPr>
+              <a:t>Mr. </a:t>
+            </a:r>
+            <a:br>
+              <a:rPr lang="de-DE" sz="2000" dirty="0">
+                <a:latin typeface="Vidaloka " panose="02000504000000020004" pitchFamily="2" charset="0"/>
+              </a:rPr>
+            </a:br>
+            <a:r>
+              <a:rPr lang="de-DE" sz="2000" dirty="0" err="1">
+                <a:latin typeface="Vidaloka " panose="02000504000000020004" pitchFamily="2" charset="0"/>
+              </a:rPr>
+              <a:t>Mäxchen</a:t>
+            </a:r>
+            <a:endParaRPr lang="de-DE" sz="2000" dirty="0">
+              <a:latin typeface="Vidaloka " panose="02000504000000020004" pitchFamily="2" charset="0"/>
+            </a:endParaRPr>
           </a:p>
         </p:txBody>
       </p:sp>
